--- a/LoadTestWithGatling.pptx
+++ b/LoadTestWithGatling.pptx
@@ -2,33 +2,32 @@
 <file path=ppt/presentation.xml><?xml version="1.0" encoding="utf-8"?>
 <p:presentation xmlns:a="http://schemas.openxmlformats.org/drawingml/2006/main" xmlns:r="http://schemas.openxmlformats.org/officeDocument/2006/relationships" xmlns:p="http://schemas.openxmlformats.org/presentationml/2006/main">
   <p:sldMasterIdLst>
-    <p:sldMasterId id="2147483648" r:id="rId5"/>
+    <p:sldMasterId id="2147483648" r:id="rId1"/>
   </p:sldMasterIdLst>
   <p:notesMasterIdLst>
-    <p:notesMasterId r:id="rId7"/>
+    <p:notesMasterId r:id="rId22"/>
   </p:notesMasterIdLst>
   <p:sldIdLst>
-    <p:sldId id="256" r:id="rId8"/>
-    <p:sldId id="257" r:id="rId9"/>
-    <p:sldId id="258" r:id="rId10"/>
-    <p:sldId id="259" r:id="rId11"/>
-    <p:sldId id="260" r:id="rId12"/>
-    <p:sldId id="261" r:id="rId13"/>
-    <p:sldId id="262" r:id="rId14"/>
-    <p:sldId id="263" r:id="rId15"/>
-    <p:sldId id="264" r:id="rId16"/>
-    <p:sldId id="265" r:id="rId17"/>
-    <p:sldId id="266" r:id="rId18"/>
-    <p:sldId id="267" r:id="rId19"/>
-    <p:sldId id="268" r:id="rId20"/>
-    <p:sldId id="269" r:id="rId21"/>
-    <p:sldId id="270" r:id="rId22"/>
-    <p:sldId id="271" r:id="rId23"/>
-    <p:sldId id="272" r:id="rId24"/>
-    <p:sldId id="273" r:id="rId25"/>
-    <p:sldId id="274" r:id="rId26"/>
-    <p:sldId id="275" r:id="rId27"/>
-    <p:sldId id="276" r:id="rId28"/>
+    <p:sldId id="256" r:id="rId2"/>
+    <p:sldId id="257" r:id="rId3"/>
+    <p:sldId id="258" r:id="rId4"/>
+    <p:sldId id="259" r:id="rId5"/>
+    <p:sldId id="260" r:id="rId6"/>
+    <p:sldId id="261" r:id="rId7"/>
+    <p:sldId id="262" r:id="rId8"/>
+    <p:sldId id="263" r:id="rId9"/>
+    <p:sldId id="264" r:id="rId10"/>
+    <p:sldId id="265" r:id="rId11"/>
+    <p:sldId id="266" r:id="rId12"/>
+    <p:sldId id="267" r:id="rId13"/>
+    <p:sldId id="268" r:id="rId14"/>
+    <p:sldId id="269" r:id="rId15"/>
+    <p:sldId id="270" r:id="rId16"/>
+    <p:sldId id="271" r:id="rId17"/>
+    <p:sldId id="272" r:id="rId18"/>
+    <p:sldId id="273" r:id="rId19"/>
+    <p:sldId id="274" r:id="rId20"/>
+    <p:sldId id="275" r:id="rId21"/>
   </p:sldIdLst>
   <p:sldSz cx="13004800" cy="9753600"/>
   <p:notesSz cx="6858000" cy="9144000"/>
@@ -48,7 +47,7 @@
       <a:buFontTx/>
       <a:buNone/>
       <a:tabLst/>
-      <a:defRPr b="0" baseline="0" cap="none" i="0" spc="0" strike="noStrike" sz="1800" u="none" kumimoji="0" normalizeH="0">
+      <a:defRPr kumimoji="0" sz="1800" b="0" i="0" u="none" strike="noStrike" cap="none" spc="0" normalizeH="0" baseline="0">
         <a:ln>
           <a:noFill/>
         </a:ln>
@@ -74,7 +73,7 @@
       <a:buFontTx/>
       <a:buNone/>
       <a:tabLst/>
-      <a:defRPr b="0" baseline="0" cap="none" i="0" spc="0" strike="noStrike" sz="3600" u="none" kumimoji="0" normalizeH="0">
+      <a:defRPr kumimoji="0" sz="3600" b="0" i="0" u="none" strike="noStrike" cap="none" spc="0" normalizeH="0" baseline="0">
         <a:ln>
           <a:noFill/>
         </a:ln>
@@ -104,7 +103,7 @@
       <a:buFontTx/>
       <a:buNone/>
       <a:tabLst/>
-      <a:defRPr b="0" baseline="0" cap="none" i="0" spc="0" strike="noStrike" sz="3600" u="none" kumimoji="0" normalizeH="0">
+      <a:defRPr kumimoji="0" sz="3600" b="0" i="0" u="none" strike="noStrike" cap="none" spc="0" normalizeH="0" baseline="0">
         <a:ln>
           <a:noFill/>
         </a:ln>
@@ -134,7 +133,7 @@
       <a:buFontTx/>
       <a:buNone/>
       <a:tabLst/>
-      <a:defRPr b="0" baseline="0" cap="none" i="0" spc="0" strike="noStrike" sz="3600" u="none" kumimoji="0" normalizeH="0">
+      <a:defRPr kumimoji="0" sz="3600" b="0" i="0" u="none" strike="noStrike" cap="none" spc="0" normalizeH="0" baseline="0">
         <a:ln>
           <a:noFill/>
         </a:ln>
@@ -164,7 +163,7 @@
       <a:buFontTx/>
       <a:buNone/>
       <a:tabLst/>
-      <a:defRPr b="0" baseline="0" cap="none" i="0" spc="0" strike="noStrike" sz="3600" u="none" kumimoji="0" normalizeH="0">
+      <a:defRPr kumimoji="0" sz="3600" b="0" i="0" u="none" strike="noStrike" cap="none" spc="0" normalizeH="0" baseline="0">
         <a:ln>
           <a:noFill/>
         </a:ln>
@@ -194,7 +193,7 @@
       <a:buFontTx/>
       <a:buNone/>
       <a:tabLst/>
-      <a:defRPr b="0" baseline="0" cap="none" i="0" spc="0" strike="noStrike" sz="3600" u="none" kumimoji="0" normalizeH="0">
+      <a:defRPr kumimoji="0" sz="3600" b="0" i="0" u="none" strike="noStrike" cap="none" spc="0" normalizeH="0" baseline="0">
         <a:ln>
           <a:noFill/>
         </a:ln>
@@ -224,7 +223,7 @@
       <a:buFontTx/>
       <a:buNone/>
       <a:tabLst/>
-      <a:defRPr b="0" baseline="0" cap="none" i="0" spc="0" strike="noStrike" sz="3600" u="none" kumimoji="0" normalizeH="0">
+      <a:defRPr kumimoji="0" sz="3600" b="0" i="0" u="none" strike="noStrike" cap="none" spc="0" normalizeH="0" baseline="0">
         <a:ln>
           <a:noFill/>
         </a:ln>
@@ -254,7 +253,7 @@
       <a:buFontTx/>
       <a:buNone/>
       <a:tabLst/>
-      <a:defRPr b="0" baseline="0" cap="none" i="0" spc="0" strike="noStrike" sz="3600" u="none" kumimoji="0" normalizeH="0">
+      <a:defRPr kumimoji="0" sz="3600" b="0" i="0" u="none" strike="noStrike" cap="none" spc="0" normalizeH="0" baseline="0">
         <a:ln>
           <a:noFill/>
         </a:ln>
@@ -284,7 +283,7 @@
       <a:buFontTx/>
       <a:buNone/>
       <a:tabLst/>
-      <a:defRPr b="0" baseline="0" cap="none" i="0" spc="0" strike="noStrike" sz="3600" u="none" kumimoji="0" normalizeH="0">
+      <a:defRPr kumimoji="0" sz="3600" b="0" i="0" u="none" strike="noStrike" cap="none" spc="0" normalizeH="0" baseline="0">
         <a:ln>
           <a:noFill/>
         </a:ln>
@@ -314,7 +313,7 @@
       <a:buFontTx/>
       <a:buNone/>
       <a:tabLst/>
-      <a:defRPr b="0" baseline="0" cap="none" i="0" spc="0" strike="noStrike" sz="3600" u="none" kumimoji="0" normalizeH="0">
+      <a:defRPr kumimoji="0" sz="3600" b="0" i="0" u="none" strike="noStrike" cap="none" spc="0" normalizeH="0" baseline="0">
         <a:ln>
           <a:noFill/>
         </a:ln>
@@ -333,13 +332,14 @@
 </p:presentation>
 </file>
 
-<file path=ppt/commentAuthors.xml><?xml version="1.0" encoding="utf-8"?>
-<p:cmAuthorLst xmlns:a="http://schemas.openxmlformats.org/drawingml/2006/main" xmlns:r="http://schemas.openxmlformats.org/officeDocument/2006/relationships" xmlns:p="http://schemas.openxmlformats.org/presentationml/2006/main"/>
-</file>
-
 <file path=ppt/notesMasters/notesMaster1.xml><?xml version="1.0" encoding="utf-8"?>
 <p:notesMaster xmlns:a="http://schemas.openxmlformats.org/drawingml/2006/main" xmlns:r="http://schemas.openxmlformats.org/officeDocument/2006/relationships" xmlns:p="http://schemas.openxmlformats.org/presentationml/2006/main">
   <p:cSld>
+    <p:bg>
+      <p:bgRef idx="1001">
+        <a:schemeClr val="bg1"/>
+      </p:bgRef>
+    </p:bg>
     <p:spTree>
       <p:nvGrpSpPr>
         <p:cNvPr id="1" name=""/>
@@ -357,7 +357,9 @@
       <p:sp>
         <p:nvSpPr>
           <p:cNvPr id="116" name="Shape 116"/>
-          <p:cNvSpPr/>
+          <p:cNvSpPr>
+            <a:spLocks noGrp="1" noRot="1" noChangeAspect="1"/>
+          </p:cNvSpPr>
           <p:nvPr>
             <p:ph type="sldImg"/>
           </p:nvPr>
@@ -375,14 +377,16 @@
           <a:bodyPr/>
           <a:lstStyle/>
           <a:p>
-            <a:pPr/>
+            <a:endParaRPr/>
           </a:p>
         </p:txBody>
       </p:sp>
       <p:sp>
         <p:nvSpPr>
           <p:cNvPr id="117" name="Shape 117"/>
-          <p:cNvSpPr/>
+          <p:cNvSpPr>
+            <a:spLocks noGrp="1"/>
+          </p:cNvSpPr>
           <p:nvPr>
             <p:ph type="body" sz="quarter" idx="1"/>
           </p:nvPr>
@@ -400,11 +404,16 @@
           <a:bodyPr/>
           <a:lstStyle/>
           <a:p>
-            <a:pPr/>
+            <a:endParaRPr/>
           </a:p>
         </p:txBody>
       </p:sp>
     </p:spTree>
+    <p:extLst>
+      <p:ext uri="{BB962C8B-B14F-4D97-AF65-F5344CB8AC3E}">
+        <p14:creationId xmlns:p14="http://schemas.microsoft.com/office/powerpoint/2010/main" val="978075213"/>
+      </p:ext>
+    </p:extLst>
   </p:cSld>
   <p:clrMap bg1="lt1" tx1="dk1" bg2="lt2" tx2="dk2" accent1="accent1" accent2="accent2" accent3="accent3" accent4="accent4" accent5="accent5" accent6="accent6" hlink="hlink" folHlink="folHlink"/>
   <p:notesStyle>
@@ -512,7 +521,7 @@
 </file>
 
 <file path=ppt/slideLayouts/slideLayout1.xml><?xml version="1.0" encoding="utf-8"?>
-<p:sldLayout xmlns:a="http://schemas.openxmlformats.org/drawingml/2006/main" xmlns:r="http://schemas.openxmlformats.org/officeDocument/2006/relationships" xmlns:p="http://schemas.openxmlformats.org/presentationml/2006/main" type="title" showMasterSp="1" showMasterPhAnim="1">
+<p:sldLayout xmlns:a="http://schemas.openxmlformats.org/drawingml/2006/main" xmlns:r="http://schemas.openxmlformats.org/officeDocument/2006/relationships" xmlns:p="http://schemas.openxmlformats.org/presentationml/2006/main" type="title">
   <p:cSld name="Titel &amp; Untertitel">
     <p:spTree>
       <p:nvGrpSpPr>
@@ -531,7 +540,9 @@
       <p:sp>
         <p:nvSpPr>
           <p:cNvPr id="11" name="Shape 11"/>
-          <p:cNvSpPr/>
+          <p:cNvSpPr>
+            <a:spLocks noGrp="1"/>
+          </p:cNvSpPr>
           <p:nvPr>
             <p:ph type="title"/>
           </p:nvPr>
@@ -549,7 +560,6 @@
           <a:bodyPr anchor="b"/>
           <a:lstStyle/>
           <a:p>
-            <a:pPr/>
             <a:r>
               <a:t>Titeltext</a:t>
             </a:r>
@@ -559,7 +569,9 @@
       <p:sp>
         <p:nvSpPr>
           <p:cNvPr id="12" name="Shape 12"/>
-          <p:cNvSpPr/>
+          <p:cNvSpPr>
+            <a:spLocks noGrp="1"/>
+          </p:cNvSpPr>
           <p:nvPr>
             <p:ph type="body" sz="quarter" idx="1"/>
           </p:nvPr>
@@ -618,7 +630,6 @@
             </a:lvl5pPr>
           </a:lstStyle>
           <a:p>
-            <a:pPr/>
             <a:r>
               <a:t>Textebene 1</a:t>
             </a:r>
@@ -652,7 +663,9 @@
       <p:sp>
         <p:nvSpPr>
           <p:cNvPr id="13" name="Shape 13"/>
-          <p:cNvSpPr/>
+          <p:cNvSpPr>
+            <a:spLocks noGrp="1"/>
+          </p:cNvSpPr>
           <p:nvPr>
             <p:ph type="sldNum" sz="quarter" idx="2"/>
           </p:nvPr>
@@ -666,8 +679,10 @@
           <a:bodyPr/>
           <a:lstStyle/>
           <a:p>
-            <a:pPr/>
-            <a:fld id="{86CB4B4D-7CA3-9044-876B-883B54F8677D}" type="slidenum"/>
+            <a:fld id="{86CB4B4D-7CA3-9044-876B-883B54F8677D}" type="slidenum">
+              <a:t>‹Nr.›</a:t>
+            </a:fld>
+            <a:endParaRPr/>
           </a:p>
         </p:txBody>
       </p:sp>
@@ -676,12 +691,12 @@
   <p:clrMapOvr>
     <a:masterClrMapping/>
   </p:clrMapOvr>
-  <p:transition xmlns:p14="http://schemas.microsoft.com/office/powerpoint/2010/main" spd="med" advClick="1"/>
+  <p:transition spd="med"/>
 </p:sldLayout>
 </file>
 
 <file path=ppt/slideLayouts/slideLayout10.xml><?xml version="1.0" encoding="utf-8"?>
-<p:sldLayout xmlns:a="http://schemas.openxmlformats.org/drawingml/2006/main" xmlns:r="http://schemas.openxmlformats.org/officeDocument/2006/relationships" xmlns:p="http://schemas.openxmlformats.org/presentationml/2006/main" type="tx" showMasterSp="1" showMasterPhAnim="1">
+<p:sldLayout xmlns:a="http://schemas.openxmlformats.org/drawingml/2006/main" xmlns:r="http://schemas.openxmlformats.org/officeDocument/2006/relationships" xmlns:p="http://schemas.openxmlformats.org/presentationml/2006/main" type="tx">
   <p:cSld name="Zitat">
     <p:spTree>
       <p:nvGrpSpPr>
@@ -700,7 +715,9 @@
       <p:sp>
         <p:nvSpPr>
           <p:cNvPr id="93" name="Shape 93"/>
-          <p:cNvSpPr/>
+          <p:cNvSpPr>
+            <a:spLocks noGrp="1"/>
+          </p:cNvSpPr>
           <p:nvPr>
             <p:ph type="body" sz="quarter" idx="13"/>
           </p:nvPr>
@@ -729,7 +746,6 @@
             </a:lvl1pPr>
           </a:lstStyle>
           <a:p>
-            <a:pPr/>
             <a:r>
               <a:t>–Christian Bauer</a:t>
             </a:r>
@@ -739,7 +755,9 @@
       <p:sp>
         <p:nvSpPr>
           <p:cNvPr id="94" name="Shape 94"/>
-          <p:cNvSpPr/>
+          <p:cNvSpPr>
+            <a:spLocks noGrp="1"/>
+          </p:cNvSpPr>
           <p:nvPr>
             <p:ph type="body" sz="quarter" idx="14"/>
           </p:nvPr>
@@ -768,7 +786,6 @@
             </a:lvl1pPr>
           </a:lstStyle>
           <a:p>
-            <a:pPr/>
             <a:r>
               <a:t>„Zitat hier eingeben.“ </a:t>
             </a:r>
@@ -778,7 +795,9 @@
       <p:sp>
         <p:nvSpPr>
           <p:cNvPr id="95" name="Shape 95"/>
-          <p:cNvSpPr/>
+          <p:cNvSpPr>
+            <a:spLocks noGrp="1"/>
+          </p:cNvSpPr>
           <p:nvPr>
             <p:ph type="sldNum" sz="quarter" idx="2"/>
           </p:nvPr>
@@ -792,8 +811,10 @@
           <a:bodyPr/>
           <a:lstStyle/>
           <a:p>
-            <a:pPr/>
-            <a:fld id="{86CB4B4D-7CA3-9044-876B-883B54F8677D}" type="slidenum"/>
+            <a:fld id="{86CB4B4D-7CA3-9044-876B-883B54F8677D}" type="slidenum">
+              <a:t>‹Nr.›</a:t>
+            </a:fld>
+            <a:endParaRPr/>
           </a:p>
         </p:txBody>
       </p:sp>
@@ -802,12 +823,12 @@
   <p:clrMapOvr>
     <a:masterClrMapping/>
   </p:clrMapOvr>
-  <p:transition xmlns:p14="http://schemas.microsoft.com/office/powerpoint/2010/main" spd="med" advClick="1"/>
+  <p:transition spd="med"/>
 </p:sldLayout>
 </file>
 
 <file path=ppt/slideLayouts/slideLayout11.xml><?xml version="1.0" encoding="utf-8"?>
-<p:sldLayout xmlns:a="http://schemas.openxmlformats.org/drawingml/2006/main" xmlns:r="http://schemas.openxmlformats.org/officeDocument/2006/relationships" xmlns:p="http://schemas.openxmlformats.org/presentationml/2006/main" type="tx" showMasterSp="1" showMasterPhAnim="1">
+<p:sldLayout xmlns:a="http://schemas.openxmlformats.org/drawingml/2006/main" xmlns:r="http://schemas.openxmlformats.org/officeDocument/2006/relationships" xmlns:p="http://schemas.openxmlformats.org/presentationml/2006/main" type="tx">
   <p:cSld name="Foto">
     <p:spTree>
       <p:nvGrpSpPr>
@@ -826,7 +847,9 @@
       <p:sp>
         <p:nvSpPr>
           <p:cNvPr id="102" name="Shape 102"/>
-          <p:cNvSpPr/>
+          <p:cNvSpPr>
+            <a:spLocks noGrp="1"/>
+          </p:cNvSpPr>
           <p:nvPr>
             <p:ph type="pic" idx="13"/>
           </p:nvPr>
@@ -846,14 +869,16 @@
           </a:bodyPr>
           <a:lstStyle/>
           <a:p>
-            <a:pPr/>
+            <a:endParaRPr/>
           </a:p>
         </p:txBody>
       </p:sp>
       <p:sp>
         <p:nvSpPr>
           <p:cNvPr id="103" name="Shape 103"/>
-          <p:cNvSpPr/>
+          <p:cNvSpPr>
+            <a:spLocks noGrp="1"/>
+          </p:cNvSpPr>
           <p:nvPr>
             <p:ph type="sldNum" sz="quarter" idx="2"/>
           </p:nvPr>
@@ -867,8 +892,10 @@
           <a:bodyPr/>
           <a:lstStyle/>
           <a:p>
-            <a:pPr/>
-            <a:fld id="{86CB4B4D-7CA3-9044-876B-883B54F8677D}" type="slidenum"/>
+            <a:fld id="{86CB4B4D-7CA3-9044-876B-883B54F8677D}" type="slidenum">
+              <a:t>‹Nr.›</a:t>
+            </a:fld>
+            <a:endParaRPr/>
           </a:p>
         </p:txBody>
       </p:sp>
@@ -877,12 +904,12 @@
   <p:clrMapOvr>
     <a:masterClrMapping/>
   </p:clrMapOvr>
-  <p:transition xmlns:p14="http://schemas.microsoft.com/office/powerpoint/2010/main" spd="med" advClick="1"/>
+  <p:transition spd="med"/>
 </p:sldLayout>
 </file>
 
 <file path=ppt/slideLayouts/slideLayout12.xml><?xml version="1.0" encoding="utf-8"?>
-<p:sldLayout xmlns:a="http://schemas.openxmlformats.org/drawingml/2006/main" xmlns:r="http://schemas.openxmlformats.org/officeDocument/2006/relationships" xmlns:p="http://schemas.openxmlformats.org/presentationml/2006/main" type="tx" showMasterSp="1" showMasterPhAnim="1">
+<p:sldLayout xmlns:a="http://schemas.openxmlformats.org/drawingml/2006/main" xmlns:r="http://schemas.openxmlformats.org/officeDocument/2006/relationships" xmlns:p="http://schemas.openxmlformats.org/presentationml/2006/main" type="tx">
   <p:cSld name="Leer">
     <p:spTree>
       <p:nvGrpSpPr>
@@ -901,7 +928,9 @@
       <p:sp>
         <p:nvSpPr>
           <p:cNvPr id="110" name="Shape 110"/>
-          <p:cNvSpPr/>
+          <p:cNvSpPr>
+            <a:spLocks noGrp="1"/>
+          </p:cNvSpPr>
           <p:nvPr>
             <p:ph type="sldNum" sz="quarter" idx="2"/>
           </p:nvPr>
@@ -915,8 +944,10 @@
           <a:bodyPr/>
           <a:lstStyle/>
           <a:p>
-            <a:pPr/>
-            <a:fld id="{86CB4B4D-7CA3-9044-876B-883B54F8677D}" type="slidenum"/>
+            <a:fld id="{86CB4B4D-7CA3-9044-876B-883B54F8677D}" type="slidenum">
+              <a:t>‹Nr.›</a:t>
+            </a:fld>
+            <a:endParaRPr/>
           </a:p>
         </p:txBody>
       </p:sp>
@@ -925,12 +956,12 @@
   <p:clrMapOvr>
     <a:masterClrMapping/>
   </p:clrMapOvr>
-  <p:transition xmlns:p14="http://schemas.microsoft.com/office/powerpoint/2010/main" spd="med" advClick="1"/>
+  <p:transition spd="med"/>
 </p:sldLayout>
 </file>
 
 <file path=ppt/slideLayouts/slideLayout2.xml><?xml version="1.0" encoding="utf-8"?>
-<p:sldLayout xmlns:a="http://schemas.openxmlformats.org/drawingml/2006/main" xmlns:r="http://schemas.openxmlformats.org/officeDocument/2006/relationships" xmlns:p="http://schemas.openxmlformats.org/presentationml/2006/main" type="tx" showMasterSp="1" showMasterPhAnim="1">
+<p:sldLayout xmlns:a="http://schemas.openxmlformats.org/drawingml/2006/main" xmlns:r="http://schemas.openxmlformats.org/officeDocument/2006/relationships" xmlns:p="http://schemas.openxmlformats.org/presentationml/2006/main" type="tx">
   <p:cSld name="Foto - Horizontal">
     <p:spTree>
       <p:nvGrpSpPr>
@@ -949,7 +980,9 @@
       <p:sp>
         <p:nvSpPr>
           <p:cNvPr id="20" name="Shape 20"/>
-          <p:cNvSpPr/>
+          <p:cNvSpPr>
+            <a:spLocks noGrp="1"/>
+          </p:cNvSpPr>
           <p:nvPr>
             <p:ph type="pic" idx="13"/>
           </p:nvPr>
@@ -969,14 +1002,16 @@
           </a:bodyPr>
           <a:lstStyle/>
           <a:p>
-            <a:pPr/>
+            <a:endParaRPr/>
           </a:p>
         </p:txBody>
       </p:sp>
       <p:sp>
         <p:nvSpPr>
           <p:cNvPr id="21" name="Shape 21"/>
-          <p:cNvSpPr/>
+          <p:cNvSpPr>
+            <a:spLocks noGrp="1"/>
+          </p:cNvSpPr>
           <p:nvPr>
             <p:ph type="title"/>
           </p:nvPr>
@@ -994,7 +1029,6 @@
           <a:bodyPr anchor="b"/>
           <a:lstStyle/>
           <a:p>
-            <a:pPr/>
             <a:r>
               <a:t>Titeltext</a:t>
             </a:r>
@@ -1004,7 +1038,9 @@
       <p:sp>
         <p:nvSpPr>
           <p:cNvPr id="22" name="Shape 22"/>
-          <p:cNvSpPr/>
+          <p:cNvSpPr>
+            <a:spLocks noGrp="1"/>
+          </p:cNvSpPr>
           <p:nvPr>
             <p:ph type="body" sz="quarter" idx="1"/>
           </p:nvPr>
@@ -1063,7 +1099,6 @@
             </a:lvl5pPr>
           </a:lstStyle>
           <a:p>
-            <a:pPr/>
             <a:r>
               <a:t>Textebene 1</a:t>
             </a:r>
@@ -1097,7 +1132,9 @@
       <p:sp>
         <p:nvSpPr>
           <p:cNvPr id="23" name="Shape 23"/>
-          <p:cNvSpPr/>
+          <p:cNvSpPr>
+            <a:spLocks noGrp="1"/>
+          </p:cNvSpPr>
           <p:nvPr>
             <p:ph type="sldNum" sz="quarter" idx="2"/>
           </p:nvPr>
@@ -1115,8 +1152,10 @@
           <a:bodyPr/>
           <a:lstStyle/>
           <a:p>
-            <a:pPr/>
-            <a:fld id="{86CB4B4D-7CA3-9044-876B-883B54F8677D}" type="slidenum"/>
+            <a:fld id="{86CB4B4D-7CA3-9044-876B-883B54F8677D}" type="slidenum">
+              <a:t>‹Nr.›</a:t>
+            </a:fld>
+            <a:endParaRPr/>
           </a:p>
         </p:txBody>
       </p:sp>
@@ -1125,12 +1164,12 @@
   <p:clrMapOvr>
     <a:masterClrMapping/>
   </p:clrMapOvr>
-  <p:transition xmlns:p14="http://schemas.microsoft.com/office/powerpoint/2010/main" spd="med" advClick="1"/>
+  <p:transition spd="med"/>
 </p:sldLayout>
 </file>
 
 <file path=ppt/slideLayouts/slideLayout3.xml><?xml version="1.0" encoding="utf-8"?>
-<p:sldLayout xmlns:a="http://schemas.openxmlformats.org/drawingml/2006/main" xmlns:r="http://schemas.openxmlformats.org/officeDocument/2006/relationships" xmlns:p="http://schemas.openxmlformats.org/presentationml/2006/main" type="tx" showMasterSp="1" showMasterPhAnim="1">
+<p:sldLayout xmlns:a="http://schemas.openxmlformats.org/drawingml/2006/main" xmlns:r="http://schemas.openxmlformats.org/officeDocument/2006/relationships" xmlns:p="http://schemas.openxmlformats.org/presentationml/2006/main" type="tx">
   <p:cSld name="Titel - Mitte">
     <p:spTree>
       <p:nvGrpSpPr>
@@ -1149,7 +1188,9 @@
       <p:sp>
         <p:nvSpPr>
           <p:cNvPr id="30" name="Shape 30"/>
-          <p:cNvSpPr/>
+          <p:cNvSpPr>
+            <a:spLocks noGrp="1"/>
+          </p:cNvSpPr>
           <p:nvPr>
             <p:ph type="title"/>
           </p:nvPr>
@@ -1167,7 +1208,6 @@
           <a:bodyPr/>
           <a:lstStyle/>
           <a:p>
-            <a:pPr/>
             <a:r>
               <a:t>Titeltext</a:t>
             </a:r>
@@ -1177,7 +1217,9 @@
       <p:sp>
         <p:nvSpPr>
           <p:cNvPr id="31" name="Shape 31"/>
-          <p:cNvSpPr/>
+          <p:cNvSpPr>
+            <a:spLocks noGrp="1"/>
+          </p:cNvSpPr>
           <p:nvPr>
             <p:ph type="sldNum" sz="quarter" idx="2"/>
           </p:nvPr>
@@ -1191,8 +1233,10 @@
           <a:bodyPr/>
           <a:lstStyle/>
           <a:p>
-            <a:pPr/>
-            <a:fld id="{86CB4B4D-7CA3-9044-876B-883B54F8677D}" type="slidenum"/>
+            <a:fld id="{86CB4B4D-7CA3-9044-876B-883B54F8677D}" type="slidenum">
+              <a:t>‹Nr.›</a:t>
+            </a:fld>
+            <a:endParaRPr/>
           </a:p>
         </p:txBody>
       </p:sp>
@@ -1201,12 +1245,12 @@
   <p:clrMapOvr>
     <a:masterClrMapping/>
   </p:clrMapOvr>
-  <p:transition xmlns:p14="http://schemas.microsoft.com/office/powerpoint/2010/main" spd="med" advClick="1"/>
+  <p:transition spd="med"/>
 </p:sldLayout>
 </file>
 
 <file path=ppt/slideLayouts/slideLayout4.xml><?xml version="1.0" encoding="utf-8"?>
-<p:sldLayout xmlns:a="http://schemas.openxmlformats.org/drawingml/2006/main" xmlns:r="http://schemas.openxmlformats.org/officeDocument/2006/relationships" xmlns:p="http://schemas.openxmlformats.org/presentationml/2006/main" type="tx" showMasterSp="1" showMasterPhAnim="1">
+<p:sldLayout xmlns:a="http://schemas.openxmlformats.org/drawingml/2006/main" xmlns:r="http://schemas.openxmlformats.org/officeDocument/2006/relationships" xmlns:p="http://schemas.openxmlformats.org/presentationml/2006/main" type="tx">
   <p:cSld name="Foto - Vertikal">
     <p:spTree>
       <p:nvGrpSpPr>
@@ -1225,7 +1269,9 @@
       <p:sp>
         <p:nvSpPr>
           <p:cNvPr id="38" name="Shape 38"/>
-          <p:cNvSpPr/>
+          <p:cNvSpPr>
+            <a:spLocks noGrp="1"/>
+          </p:cNvSpPr>
           <p:nvPr>
             <p:ph type="pic" sz="half" idx="13"/>
           </p:nvPr>
@@ -1245,14 +1291,16 @@
           </a:bodyPr>
           <a:lstStyle/>
           <a:p>
-            <a:pPr/>
+            <a:endParaRPr/>
           </a:p>
         </p:txBody>
       </p:sp>
       <p:sp>
         <p:nvSpPr>
           <p:cNvPr id="39" name="Shape 39"/>
-          <p:cNvSpPr/>
+          <p:cNvSpPr>
+            <a:spLocks noGrp="1"/>
+          </p:cNvSpPr>
           <p:nvPr>
             <p:ph type="title"/>
           </p:nvPr>
@@ -1274,7 +1322,6 @@
             </a:lvl1pPr>
           </a:lstStyle>
           <a:p>
-            <a:pPr/>
             <a:r>
               <a:t>Titeltext</a:t>
             </a:r>
@@ -1284,7 +1331,9 @@
       <p:sp>
         <p:nvSpPr>
           <p:cNvPr id="40" name="Shape 40"/>
-          <p:cNvSpPr/>
+          <p:cNvSpPr>
+            <a:spLocks noGrp="1"/>
+          </p:cNvSpPr>
           <p:nvPr>
             <p:ph type="body" sz="quarter" idx="1"/>
           </p:nvPr>
@@ -1343,7 +1392,6 @@
             </a:lvl5pPr>
           </a:lstStyle>
           <a:p>
-            <a:pPr/>
             <a:r>
               <a:t>Textebene 1</a:t>
             </a:r>
@@ -1377,7 +1425,9 @@
       <p:sp>
         <p:nvSpPr>
           <p:cNvPr id="41" name="Shape 41"/>
-          <p:cNvSpPr/>
+          <p:cNvSpPr>
+            <a:spLocks noGrp="1"/>
+          </p:cNvSpPr>
           <p:nvPr>
             <p:ph type="sldNum" sz="quarter" idx="2"/>
           </p:nvPr>
@@ -1391,8 +1441,10 @@
           <a:bodyPr/>
           <a:lstStyle/>
           <a:p>
-            <a:pPr/>
-            <a:fld id="{86CB4B4D-7CA3-9044-876B-883B54F8677D}" type="slidenum"/>
+            <a:fld id="{86CB4B4D-7CA3-9044-876B-883B54F8677D}" type="slidenum">
+              <a:t>‹Nr.›</a:t>
+            </a:fld>
+            <a:endParaRPr/>
           </a:p>
         </p:txBody>
       </p:sp>
@@ -1401,12 +1453,12 @@
   <p:clrMapOvr>
     <a:masterClrMapping/>
   </p:clrMapOvr>
-  <p:transition xmlns:p14="http://schemas.microsoft.com/office/powerpoint/2010/main" spd="med" advClick="1"/>
+  <p:transition spd="med"/>
 </p:sldLayout>
 </file>
 
 <file path=ppt/slideLayouts/slideLayout5.xml><?xml version="1.0" encoding="utf-8"?>
-<p:sldLayout xmlns:a="http://schemas.openxmlformats.org/drawingml/2006/main" xmlns:r="http://schemas.openxmlformats.org/officeDocument/2006/relationships" xmlns:p="http://schemas.openxmlformats.org/presentationml/2006/main" type="tx" showMasterSp="1" showMasterPhAnim="1">
+<p:sldLayout xmlns:a="http://schemas.openxmlformats.org/drawingml/2006/main" xmlns:r="http://schemas.openxmlformats.org/officeDocument/2006/relationships" xmlns:p="http://schemas.openxmlformats.org/presentationml/2006/main" type="tx">
   <p:cSld name="Titel - Oben">
     <p:spTree>
       <p:nvGrpSpPr>
@@ -1425,7 +1477,9 @@
       <p:sp>
         <p:nvSpPr>
           <p:cNvPr id="48" name="Shape 48"/>
-          <p:cNvSpPr/>
+          <p:cNvSpPr>
+            <a:spLocks noGrp="1"/>
+          </p:cNvSpPr>
           <p:nvPr>
             <p:ph type="title"/>
           </p:nvPr>
@@ -1439,7 +1493,6 @@
           <a:bodyPr/>
           <a:lstStyle/>
           <a:p>
-            <a:pPr/>
             <a:r>
               <a:t>Titeltext</a:t>
             </a:r>
@@ -1449,7 +1502,9 @@
       <p:sp>
         <p:nvSpPr>
           <p:cNvPr id="49" name="Shape 49"/>
-          <p:cNvSpPr/>
+          <p:cNvSpPr>
+            <a:spLocks noGrp="1"/>
+          </p:cNvSpPr>
           <p:nvPr>
             <p:ph type="sldNum" sz="quarter" idx="2"/>
           </p:nvPr>
@@ -1463,8 +1518,10 @@
           <a:bodyPr/>
           <a:lstStyle/>
           <a:p>
-            <a:pPr/>
-            <a:fld id="{86CB4B4D-7CA3-9044-876B-883B54F8677D}" type="slidenum"/>
+            <a:fld id="{86CB4B4D-7CA3-9044-876B-883B54F8677D}" type="slidenum">
+              <a:t>‹Nr.›</a:t>
+            </a:fld>
+            <a:endParaRPr/>
           </a:p>
         </p:txBody>
       </p:sp>
@@ -1473,12 +1530,12 @@
   <p:clrMapOvr>
     <a:masterClrMapping/>
   </p:clrMapOvr>
-  <p:transition xmlns:p14="http://schemas.microsoft.com/office/powerpoint/2010/main" spd="med" advClick="1"/>
+  <p:transition spd="med"/>
 </p:sldLayout>
 </file>
 
 <file path=ppt/slideLayouts/slideLayout6.xml><?xml version="1.0" encoding="utf-8"?>
-<p:sldLayout xmlns:a="http://schemas.openxmlformats.org/drawingml/2006/main" xmlns:r="http://schemas.openxmlformats.org/officeDocument/2006/relationships" xmlns:p="http://schemas.openxmlformats.org/presentationml/2006/main" type="tx" showMasterSp="1" showMasterPhAnim="1">
+<p:sldLayout xmlns:a="http://schemas.openxmlformats.org/drawingml/2006/main" xmlns:r="http://schemas.openxmlformats.org/officeDocument/2006/relationships" xmlns:p="http://schemas.openxmlformats.org/presentationml/2006/main" type="tx">
   <p:cSld name="Titel &amp; Aufzählung">
     <p:spTree>
       <p:nvGrpSpPr>
@@ -1497,7 +1554,9 @@
       <p:sp>
         <p:nvSpPr>
           <p:cNvPr id="56" name="Shape 56"/>
-          <p:cNvSpPr/>
+          <p:cNvSpPr>
+            <a:spLocks noGrp="1"/>
+          </p:cNvSpPr>
           <p:nvPr>
             <p:ph type="title"/>
           </p:nvPr>
@@ -1511,7 +1570,6 @@
           <a:bodyPr/>
           <a:lstStyle/>
           <a:p>
-            <a:pPr/>
             <a:r>
               <a:t>Titeltext</a:t>
             </a:r>
@@ -1521,7 +1579,9 @@
       <p:sp>
         <p:nvSpPr>
           <p:cNvPr id="57" name="Shape 57"/>
-          <p:cNvSpPr/>
+          <p:cNvSpPr>
+            <a:spLocks noGrp="1"/>
+          </p:cNvSpPr>
           <p:nvPr>
             <p:ph type="body" idx="1"/>
           </p:nvPr>
@@ -1535,7 +1595,6 @@
           <a:bodyPr/>
           <a:lstStyle/>
           <a:p>
-            <a:pPr/>
             <a:r>
               <a:t>Textebene 1</a:t>
             </a:r>
@@ -1569,7 +1628,9 @@
       <p:sp>
         <p:nvSpPr>
           <p:cNvPr id="58" name="Shape 58"/>
-          <p:cNvSpPr/>
+          <p:cNvSpPr>
+            <a:spLocks noGrp="1"/>
+          </p:cNvSpPr>
           <p:nvPr>
             <p:ph type="sldNum" sz="quarter" idx="2"/>
           </p:nvPr>
@@ -1583,8 +1644,10 @@
           <a:bodyPr/>
           <a:lstStyle/>
           <a:p>
-            <a:pPr/>
-            <a:fld id="{86CB4B4D-7CA3-9044-876B-883B54F8677D}" type="slidenum"/>
+            <a:fld id="{86CB4B4D-7CA3-9044-876B-883B54F8677D}" type="slidenum">
+              <a:t>‹Nr.›</a:t>
+            </a:fld>
+            <a:endParaRPr/>
           </a:p>
         </p:txBody>
       </p:sp>
@@ -1593,12 +1656,12 @@
   <p:clrMapOvr>
     <a:masterClrMapping/>
   </p:clrMapOvr>
-  <p:transition xmlns:p14="http://schemas.microsoft.com/office/powerpoint/2010/main" spd="med" advClick="1"/>
+  <p:transition spd="med"/>
 </p:sldLayout>
 </file>
 
 <file path=ppt/slideLayouts/slideLayout7.xml><?xml version="1.0" encoding="utf-8"?>
-<p:sldLayout xmlns:a="http://schemas.openxmlformats.org/drawingml/2006/main" xmlns:r="http://schemas.openxmlformats.org/officeDocument/2006/relationships" xmlns:p="http://schemas.openxmlformats.org/presentationml/2006/main" type="tx" showMasterSp="1" showMasterPhAnim="1">
+<p:sldLayout xmlns:a="http://schemas.openxmlformats.org/drawingml/2006/main" xmlns:r="http://schemas.openxmlformats.org/officeDocument/2006/relationships" xmlns:p="http://schemas.openxmlformats.org/presentationml/2006/main" type="tx">
   <p:cSld name="Titel, Aufzählung &amp; Foto">
     <p:spTree>
       <p:nvGrpSpPr>
@@ -1617,7 +1680,9 @@
       <p:sp>
         <p:nvSpPr>
           <p:cNvPr id="65" name="Shape 65"/>
-          <p:cNvSpPr/>
+          <p:cNvSpPr>
+            <a:spLocks noGrp="1"/>
+          </p:cNvSpPr>
           <p:nvPr>
             <p:ph type="pic" sz="half" idx="13"/>
           </p:nvPr>
@@ -1637,14 +1702,16 @@
           </a:bodyPr>
           <a:lstStyle/>
           <a:p>
-            <a:pPr/>
+            <a:endParaRPr/>
           </a:p>
         </p:txBody>
       </p:sp>
       <p:sp>
         <p:nvSpPr>
           <p:cNvPr id="66" name="Shape 66"/>
-          <p:cNvSpPr/>
+          <p:cNvSpPr>
+            <a:spLocks noGrp="1"/>
+          </p:cNvSpPr>
           <p:nvPr>
             <p:ph type="title"/>
           </p:nvPr>
@@ -1658,7 +1725,6 @@
           <a:bodyPr/>
           <a:lstStyle/>
           <a:p>
-            <a:pPr/>
             <a:r>
               <a:t>Titeltext</a:t>
             </a:r>
@@ -1668,7 +1734,9 @@
       <p:sp>
         <p:nvSpPr>
           <p:cNvPr id="67" name="Shape 67"/>
-          <p:cNvSpPr/>
+          <p:cNvSpPr>
+            <a:spLocks noGrp="1"/>
+          </p:cNvSpPr>
           <p:nvPr>
             <p:ph type="body" sz="half" idx="1"/>
           </p:nvPr>
@@ -1717,7 +1785,6 @@
             </a:lvl5pPr>
           </a:lstStyle>
           <a:p>
-            <a:pPr/>
             <a:r>
               <a:t>Textebene 1</a:t>
             </a:r>
@@ -1751,7 +1818,9 @@
       <p:sp>
         <p:nvSpPr>
           <p:cNvPr id="68" name="Shape 68"/>
-          <p:cNvSpPr/>
+          <p:cNvSpPr>
+            <a:spLocks noGrp="1"/>
+          </p:cNvSpPr>
           <p:nvPr>
             <p:ph type="sldNum" sz="quarter" idx="2"/>
           </p:nvPr>
@@ -1765,8 +1834,10 @@
           <a:bodyPr/>
           <a:lstStyle/>
           <a:p>
-            <a:pPr/>
-            <a:fld id="{86CB4B4D-7CA3-9044-876B-883B54F8677D}" type="slidenum"/>
+            <a:fld id="{86CB4B4D-7CA3-9044-876B-883B54F8677D}" type="slidenum">
+              <a:t>‹Nr.›</a:t>
+            </a:fld>
+            <a:endParaRPr/>
           </a:p>
         </p:txBody>
       </p:sp>
@@ -1775,12 +1846,12 @@
   <p:clrMapOvr>
     <a:masterClrMapping/>
   </p:clrMapOvr>
-  <p:transition xmlns:p14="http://schemas.microsoft.com/office/powerpoint/2010/main" spd="med" advClick="1"/>
+  <p:transition spd="med"/>
 </p:sldLayout>
 </file>
 
 <file path=ppt/slideLayouts/slideLayout8.xml><?xml version="1.0" encoding="utf-8"?>
-<p:sldLayout xmlns:a="http://schemas.openxmlformats.org/drawingml/2006/main" xmlns:r="http://schemas.openxmlformats.org/officeDocument/2006/relationships" xmlns:p="http://schemas.openxmlformats.org/presentationml/2006/main" type="tx" showMasterSp="1" showMasterPhAnim="1">
+<p:sldLayout xmlns:a="http://schemas.openxmlformats.org/drawingml/2006/main" xmlns:r="http://schemas.openxmlformats.org/officeDocument/2006/relationships" xmlns:p="http://schemas.openxmlformats.org/presentationml/2006/main" type="tx">
   <p:cSld name="Punkte">
     <p:spTree>
       <p:nvGrpSpPr>
@@ -1799,7 +1870,9 @@
       <p:sp>
         <p:nvSpPr>
           <p:cNvPr id="75" name="Shape 75"/>
-          <p:cNvSpPr/>
+          <p:cNvSpPr>
+            <a:spLocks noGrp="1"/>
+          </p:cNvSpPr>
           <p:nvPr>
             <p:ph type="body" idx="1"/>
           </p:nvPr>
@@ -1817,7 +1890,6 @@
           <a:bodyPr/>
           <a:lstStyle/>
           <a:p>
-            <a:pPr/>
             <a:r>
               <a:t>Textebene 1</a:t>
             </a:r>
@@ -1851,7 +1923,9 @@
       <p:sp>
         <p:nvSpPr>
           <p:cNvPr id="76" name="Shape 76"/>
-          <p:cNvSpPr/>
+          <p:cNvSpPr>
+            <a:spLocks noGrp="1"/>
+          </p:cNvSpPr>
           <p:nvPr>
             <p:ph type="sldNum" sz="quarter" idx="2"/>
           </p:nvPr>
@@ -1865,8 +1939,10 @@
           <a:bodyPr/>
           <a:lstStyle/>
           <a:p>
-            <a:pPr/>
-            <a:fld id="{86CB4B4D-7CA3-9044-876B-883B54F8677D}" type="slidenum"/>
+            <a:fld id="{86CB4B4D-7CA3-9044-876B-883B54F8677D}" type="slidenum">
+              <a:t>‹Nr.›</a:t>
+            </a:fld>
+            <a:endParaRPr/>
           </a:p>
         </p:txBody>
       </p:sp>
@@ -1875,12 +1951,12 @@
   <p:clrMapOvr>
     <a:masterClrMapping/>
   </p:clrMapOvr>
-  <p:transition xmlns:p14="http://schemas.microsoft.com/office/powerpoint/2010/main" spd="med" advClick="1"/>
+  <p:transition spd="med"/>
 </p:sldLayout>
 </file>
 
 <file path=ppt/slideLayouts/slideLayout9.xml><?xml version="1.0" encoding="utf-8"?>
-<p:sldLayout xmlns:a="http://schemas.openxmlformats.org/drawingml/2006/main" xmlns:r="http://schemas.openxmlformats.org/officeDocument/2006/relationships" xmlns:p="http://schemas.openxmlformats.org/presentationml/2006/main" type="tx" showMasterSp="1" showMasterPhAnim="1">
+<p:sldLayout xmlns:a="http://schemas.openxmlformats.org/drawingml/2006/main" xmlns:r="http://schemas.openxmlformats.org/officeDocument/2006/relationships" xmlns:p="http://schemas.openxmlformats.org/presentationml/2006/main" type="tx">
   <p:cSld name="Foto - 3 Stück">
     <p:spTree>
       <p:nvGrpSpPr>
@@ -1899,7 +1975,9 @@
       <p:sp>
         <p:nvSpPr>
           <p:cNvPr id="83" name="Shape 83"/>
-          <p:cNvSpPr/>
+          <p:cNvSpPr>
+            <a:spLocks noGrp="1"/>
+          </p:cNvSpPr>
           <p:nvPr>
             <p:ph type="pic" sz="quarter" idx="13"/>
           </p:nvPr>
@@ -1919,14 +1997,16 @@
           </a:bodyPr>
           <a:lstStyle/>
           <a:p>
-            <a:pPr/>
+            <a:endParaRPr/>
           </a:p>
         </p:txBody>
       </p:sp>
       <p:sp>
         <p:nvSpPr>
           <p:cNvPr id="84" name="Shape 84"/>
-          <p:cNvSpPr/>
+          <p:cNvSpPr>
+            <a:spLocks noGrp="1"/>
+          </p:cNvSpPr>
           <p:nvPr>
             <p:ph type="pic" sz="quarter" idx="14"/>
           </p:nvPr>
@@ -1946,14 +2026,16 @@
           </a:bodyPr>
           <a:lstStyle/>
           <a:p>
-            <a:pPr/>
+            <a:endParaRPr/>
           </a:p>
         </p:txBody>
       </p:sp>
       <p:sp>
         <p:nvSpPr>
           <p:cNvPr id="85" name="Shape 85"/>
-          <p:cNvSpPr/>
+          <p:cNvSpPr>
+            <a:spLocks noGrp="1"/>
+          </p:cNvSpPr>
           <p:nvPr>
             <p:ph type="pic" sz="half" idx="15"/>
           </p:nvPr>
@@ -1973,14 +2055,16 @@
           </a:bodyPr>
           <a:lstStyle/>
           <a:p>
-            <a:pPr/>
+            <a:endParaRPr/>
           </a:p>
         </p:txBody>
       </p:sp>
       <p:sp>
         <p:nvSpPr>
           <p:cNvPr id="86" name="Shape 86"/>
-          <p:cNvSpPr/>
+          <p:cNvSpPr>
+            <a:spLocks noGrp="1"/>
+          </p:cNvSpPr>
           <p:nvPr>
             <p:ph type="sldNum" sz="quarter" idx="2"/>
           </p:nvPr>
@@ -1994,8 +2078,10 @@
           <a:bodyPr/>
           <a:lstStyle/>
           <a:p>
-            <a:pPr/>
-            <a:fld id="{86CB4B4D-7CA3-9044-876B-883B54F8677D}" type="slidenum"/>
+            <a:fld id="{86CB4B4D-7CA3-9044-876B-883B54F8677D}" type="slidenum">
+              <a:t>‹Nr.›</a:t>
+            </a:fld>
+            <a:endParaRPr/>
           </a:p>
         </p:txBody>
       </p:sp>
@@ -2004,7 +2090,7 @@
   <p:clrMapOvr>
     <a:masterClrMapping/>
   </p:clrMapOvr>
-  <p:transition xmlns:p14="http://schemas.microsoft.com/office/powerpoint/2010/main" spd="med" advClick="1"/>
+  <p:transition spd="med"/>
 </p:sldLayout>
 </file>
 
@@ -2016,6 +2102,7 @@
         <a:solidFill>
           <a:srgbClr val="FFFFFF"/>
         </a:solidFill>
+        <a:effectLst/>
       </p:bgPr>
     </p:bg>
     <p:spTree>
@@ -2035,7 +2122,9 @@
       <p:sp>
         <p:nvSpPr>
           <p:cNvPr id="2" name="Shape 2"/>
-          <p:cNvSpPr/>
+          <p:cNvSpPr>
+            <a:spLocks noGrp="1"/>
+          </p:cNvSpPr>
           <p:nvPr>
             <p:ph type="title"/>
           </p:nvPr>
@@ -2053,17 +2142,16 @@
           </a:ln>
           <a:extLst>
             <a:ext uri="{C572A759-6A51-4108-AA02-DFA0A04FC94B}">
-              <ma14:wrappingTextBoxFlag xmlns:ma14="http://schemas.microsoft.com/office/mac/drawingml/2011/main" val="1"/>
+              <ma14:wrappingTextBoxFlag xmlns:ma14="http://schemas.microsoft.com/office/mac/drawingml/2011/main" xmlns="" val="1"/>
             </a:ext>
           </a:extLst>
         </p:spPr>
         <p:txBody>
           <a:bodyPr lIns="50800" tIns="50800" rIns="50800" bIns="50800" anchor="ctr">
-            <a:normAutofit fontScale="100000" lnSpcReduction="0"/>
+            <a:normAutofit/>
           </a:bodyPr>
           <a:lstStyle/>
           <a:p>
-            <a:pPr/>
             <a:r>
               <a:t>Titeltext</a:t>
             </a:r>
@@ -2073,7 +2161,9 @@
       <p:sp>
         <p:nvSpPr>
           <p:cNvPr id="3" name="Shape 3"/>
-          <p:cNvSpPr/>
+          <p:cNvSpPr>
+            <a:spLocks noGrp="1"/>
+          </p:cNvSpPr>
           <p:nvPr>
             <p:ph type="body" idx="1"/>
           </p:nvPr>
@@ -2091,17 +2181,16 @@
           </a:ln>
           <a:extLst>
             <a:ext uri="{C572A759-6A51-4108-AA02-DFA0A04FC94B}">
-              <ma14:wrappingTextBoxFlag xmlns:ma14="http://schemas.microsoft.com/office/mac/drawingml/2011/main" val="1"/>
+              <ma14:wrappingTextBoxFlag xmlns:ma14="http://schemas.microsoft.com/office/mac/drawingml/2011/main" xmlns="" val="1"/>
             </a:ext>
           </a:extLst>
         </p:spPr>
         <p:txBody>
           <a:bodyPr lIns="50800" tIns="50800" rIns="50800" bIns="50800" anchor="ctr">
-            <a:normAutofit fontScale="100000" lnSpcReduction="0"/>
+            <a:normAutofit/>
           </a:bodyPr>
           <a:lstStyle/>
           <a:p>
-            <a:pPr/>
             <a:r>
               <a:t>Textebene 1</a:t>
             </a:r>
@@ -2135,7 +2224,9 @@
       <p:sp>
         <p:nvSpPr>
           <p:cNvPr id="4" name="Shape 4"/>
-          <p:cNvSpPr/>
+          <p:cNvSpPr>
+            <a:spLocks noGrp="1"/>
+          </p:cNvSpPr>
           <p:nvPr>
             <p:ph type="sldNum" sz="quarter" idx="2"/>
           </p:nvPr>
@@ -2162,8 +2253,10 @@
             </a:lvl1pPr>
           </a:lstStyle>
           <a:p>
-            <a:pPr/>
-            <a:fld id="{86CB4B4D-7CA3-9044-876B-883B54F8677D}" type="slidenum"/>
+            <a:fld id="{86CB4B4D-7CA3-9044-876B-883B54F8677D}" type="slidenum">
+              <a:t>‹Nr.›</a:t>
+            </a:fld>
+            <a:endParaRPr/>
           </a:p>
         </p:txBody>
       </p:sp>
@@ -2171,20 +2264,20 @@
   </p:cSld>
   <p:clrMap bg1="lt1" tx1="dk1" bg2="lt2" tx2="dk2" accent1="accent1" accent2="accent2" accent3="accent3" accent4="accent4" accent5="accent5" accent6="accent6" hlink="hlink" folHlink="folHlink"/>
   <p:sldLayoutIdLst>
-    <p:sldLayoutId id="2147483649" r:id="rId2"/>
-    <p:sldLayoutId id="2147483650" r:id="rId3"/>
-    <p:sldLayoutId id="2147483651" r:id="rId4"/>
-    <p:sldLayoutId id="2147483652" r:id="rId5"/>
-    <p:sldLayoutId id="2147483653" r:id="rId6"/>
-    <p:sldLayoutId id="2147483654" r:id="rId7"/>
-    <p:sldLayoutId id="2147483655" r:id="rId8"/>
-    <p:sldLayoutId id="2147483656" r:id="rId9"/>
-    <p:sldLayoutId id="2147483657" r:id="rId10"/>
-    <p:sldLayoutId id="2147483658" r:id="rId11"/>
-    <p:sldLayoutId id="2147483659" r:id="rId12"/>
-    <p:sldLayoutId id="2147483660" r:id="rId13"/>
+    <p:sldLayoutId id="2147483649" r:id="rId1"/>
+    <p:sldLayoutId id="2147483650" r:id="rId2"/>
+    <p:sldLayoutId id="2147483651" r:id="rId3"/>
+    <p:sldLayoutId id="2147483652" r:id="rId4"/>
+    <p:sldLayoutId id="2147483653" r:id="rId5"/>
+    <p:sldLayoutId id="2147483654" r:id="rId6"/>
+    <p:sldLayoutId id="2147483655" r:id="rId7"/>
+    <p:sldLayoutId id="2147483656" r:id="rId8"/>
+    <p:sldLayoutId id="2147483657" r:id="rId9"/>
+    <p:sldLayoutId id="2147483658" r:id="rId10"/>
+    <p:sldLayoutId id="2147483659" r:id="rId11"/>
+    <p:sldLayoutId id="2147483660" r:id="rId12"/>
   </p:sldLayoutIdLst>
-  <p:transition xmlns:p14="http://schemas.microsoft.com/office/powerpoint/2010/main" spd="med" advClick="1"/>
+  <p:transition spd="med"/>
   <p:txStyles>
     <p:titleStyle>
       <a:lvl1pPr marL="0" marR="0" indent="0" algn="ctr" defTabSz="584200" rtl="0" latinLnBrk="0">
@@ -2202,7 +2295,7 @@
         <a:buFontTx/>
         <a:buNone/>
         <a:tabLst/>
-        <a:defRPr b="0" baseline="0" cap="none" i="0" spc="0" strike="noStrike" sz="8000" u="none">
+        <a:defRPr sz="8000" b="0" i="0" u="none" strike="noStrike" cap="none" spc="0" baseline="0">
           <a:ln>
             <a:noFill/>
           </a:ln>
@@ -2231,7 +2324,7 @@
         <a:buFontTx/>
         <a:buNone/>
         <a:tabLst/>
-        <a:defRPr b="0" baseline="0" cap="none" i="0" spc="0" strike="noStrike" sz="8000" u="none">
+        <a:defRPr sz="8000" b="0" i="0" u="none" strike="noStrike" cap="none" spc="0" baseline="0">
           <a:ln>
             <a:noFill/>
           </a:ln>
@@ -2260,7 +2353,7 @@
         <a:buFontTx/>
         <a:buNone/>
         <a:tabLst/>
-        <a:defRPr b="0" baseline="0" cap="none" i="0" spc="0" strike="noStrike" sz="8000" u="none">
+        <a:defRPr sz="8000" b="0" i="0" u="none" strike="noStrike" cap="none" spc="0" baseline="0">
           <a:ln>
             <a:noFill/>
           </a:ln>
@@ -2289,7 +2382,7 @@
         <a:buFontTx/>
         <a:buNone/>
         <a:tabLst/>
-        <a:defRPr b="0" baseline="0" cap="none" i="0" spc="0" strike="noStrike" sz="8000" u="none">
+        <a:defRPr sz="8000" b="0" i="0" u="none" strike="noStrike" cap="none" spc="0" baseline="0">
           <a:ln>
             <a:noFill/>
           </a:ln>
@@ -2318,7 +2411,7 @@
         <a:buFontTx/>
         <a:buNone/>
         <a:tabLst/>
-        <a:defRPr b="0" baseline="0" cap="none" i="0" spc="0" strike="noStrike" sz="8000" u="none">
+        <a:defRPr sz="8000" b="0" i="0" u="none" strike="noStrike" cap="none" spc="0" baseline="0">
           <a:ln>
             <a:noFill/>
           </a:ln>
@@ -2347,7 +2440,7 @@
         <a:buFontTx/>
         <a:buNone/>
         <a:tabLst/>
-        <a:defRPr b="0" baseline="0" cap="none" i="0" spc="0" strike="noStrike" sz="8000" u="none">
+        <a:defRPr sz="8000" b="0" i="0" u="none" strike="noStrike" cap="none" spc="0" baseline="0">
           <a:ln>
             <a:noFill/>
           </a:ln>
@@ -2376,7 +2469,7 @@
         <a:buFontTx/>
         <a:buNone/>
         <a:tabLst/>
-        <a:defRPr b="0" baseline="0" cap="none" i="0" spc="0" strike="noStrike" sz="8000" u="none">
+        <a:defRPr sz="8000" b="0" i="0" u="none" strike="noStrike" cap="none" spc="0" baseline="0">
           <a:ln>
             <a:noFill/>
           </a:ln>
@@ -2405,7 +2498,7 @@
         <a:buFontTx/>
         <a:buNone/>
         <a:tabLst/>
-        <a:defRPr b="0" baseline="0" cap="none" i="0" spc="0" strike="noStrike" sz="8000" u="none">
+        <a:defRPr sz="8000" b="0" i="0" u="none" strike="noStrike" cap="none" spc="0" baseline="0">
           <a:ln>
             <a:noFill/>
           </a:ln>
@@ -2434,7 +2527,7 @@
         <a:buFontTx/>
         <a:buNone/>
         <a:tabLst/>
-        <a:defRPr b="0" baseline="0" cap="none" i="0" spc="0" strike="noStrike" sz="8000" u="none">
+        <a:defRPr sz="8000" b="0" i="0" u="none" strike="noStrike" cap="none" spc="0" baseline="0">
           <a:ln>
             <a:noFill/>
           </a:ln>
@@ -2465,7 +2558,7 @@
         <a:buFontTx/>
         <a:buChar char="•"/>
         <a:tabLst/>
-        <a:defRPr b="0" baseline="0" cap="none" i="0" spc="0" strike="noStrike" sz="3600" u="none">
+        <a:defRPr sz="3600" b="0" i="0" u="none" strike="noStrike" cap="none" spc="0" baseline="0">
           <a:ln>
             <a:noFill/>
           </a:ln>
@@ -2494,7 +2587,7 @@
         <a:buFontTx/>
         <a:buChar char="•"/>
         <a:tabLst/>
-        <a:defRPr b="0" baseline="0" cap="none" i="0" spc="0" strike="noStrike" sz="3600" u="none">
+        <a:defRPr sz="3600" b="0" i="0" u="none" strike="noStrike" cap="none" spc="0" baseline="0">
           <a:ln>
             <a:noFill/>
           </a:ln>
@@ -2523,7 +2616,7 @@
         <a:buFontTx/>
         <a:buChar char="•"/>
         <a:tabLst/>
-        <a:defRPr b="0" baseline="0" cap="none" i="0" spc="0" strike="noStrike" sz="3600" u="none">
+        <a:defRPr sz="3600" b="0" i="0" u="none" strike="noStrike" cap="none" spc="0" baseline="0">
           <a:ln>
             <a:noFill/>
           </a:ln>
@@ -2552,7 +2645,7 @@
         <a:buFontTx/>
         <a:buChar char="•"/>
         <a:tabLst/>
-        <a:defRPr b="0" baseline="0" cap="none" i="0" spc="0" strike="noStrike" sz="3600" u="none">
+        <a:defRPr sz="3600" b="0" i="0" u="none" strike="noStrike" cap="none" spc="0" baseline="0">
           <a:ln>
             <a:noFill/>
           </a:ln>
@@ -2581,7 +2674,7 @@
         <a:buFontTx/>
         <a:buChar char="•"/>
         <a:tabLst/>
-        <a:defRPr b="0" baseline="0" cap="none" i="0" spc="0" strike="noStrike" sz="3600" u="none">
+        <a:defRPr sz="3600" b="0" i="0" u="none" strike="noStrike" cap="none" spc="0" baseline="0">
           <a:ln>
             <a:noFill/>
           </a:ln>
@@ -2610,7 +2703,7 @@
         <a:buFontTx/>
         <a:buChar char="•"/>
         <a:tabLst/>
-        <a:defRPr b="0" baseline="0" cap="none" i="0" spc="0" strike="noStrike" sz="3600" u="none">
+        <a:defRPr sz="3600" b="0" i="0" u="none" strike="noStrike" cap="none" spc="0" baseline="0">
           <a:ln>
             <a:noFill/>
           </a:ln>
@@ -2639,7 +2732,7 @@
         <a:buFontTx/>
         <a:buChar char="•"/>
         <a:tabLst/>
-        <a:defRPr b="0" baseline="0" cap="none" i="0" spc="0" strike="noStrike" sz="3600" u="none">
+        <a:defRPr sz="3600" b="0" i="0" u="none" strike="noStrike" cap="none" spc="0" baseline="0">
           <a:ln>
             <a:noFill/>
           </a:ln>
@@ -2668,7 +2761,7 @@
         <a:buFontTx/>
         <a:buChar char="•"/>
         <a:tabLst/>
-        <a:defRPr b="0" baseline="0" cap="none" i="0" spc="0" strike="noStrike" sz="3600" u="none">
+        <a:defRPr sz="3600" b="0" i="0" u="none" strike="noStrike" cap="none" spc="0" baseline="0">
           <a:ln>
             <a:noFill/>
           </a:ln>
@@ -2697,7 +2790,7 @@
         <a:buFontTx/>
         <a:buChar char="•"/>
         <a:tabLst/>
-        <a:defRPr b="0" baseline="0" cap="none" i="0" spc="0" strike="noStrike" sz="3600" u="none">
+        <a:defRPr sz="3600" b="0" i="0" u="none" strike="noStrike" cap="none" spc="0" baseline="0">
           <a:ln>
             <a:noFill/>
           </a:ln>
@@ -2728,7 +2821,7 @@
         <a:buFontTx/>
         <a:buNone/>
         <a:tabLst/>
-        <a:defRPr b="0" baseline="0" cap="none" i="0" spc="0" strike="noStrike" sz="1800" u="none">
+        <a:defRPr sz="1800" b="0" i="0" u="none" strike="noStrike" cap="none" spc="0" baseline="0">
           <a:ln>
             <a:noFill/>
           </a:ln>
@@ -2757,7 +2850,7 @@
         <a:buFontTx/>
         <a:buNone/>
         <a:tabLst/>
-        <a:defRPr b="0" baseline="0" cap="none" i="0" spc="0" strike="noStrike" sz="1800" u="none">
+        <a:defRPr sz="1800" b="0" i="0" u="none" strike="noStrike" cap="none" spc="0" baseline="0">
           <a:ln>
             <a:noFill/>
           </a:ln>
@@ -2786,7 +2879,7 @@
         <a:buFontTx/>
         <a:buNone/>
         <a:tabLst/>
-        <a:defRPr b="0" baseline="0" cap="none" i="0" spc="0" strike="noStrike" sz="1800" u="none">
+        <a:defRPr sz="1800" b="0" i="0" u="none" strike="noStrike" cap="none" spc="0" baseline="0">
           <a:ln>
             <a:noFill/>
           </a:ln>
@@ -2815,7 +2908,7 @@
         <a:buFontTx/>
         <a:buNone/>
         <a:tabLst/>
-        <a:defRPr b="0" baseline="0" cap="none" i="0" spc="0" strike="noStrike" sz="1800" u="none">
+        <a:defRPr sz="1800" b="0" i="0" u="none" strike="noStrike" cap="none" spc="0" baseline="0">
           <a:ln>
             <a:noFill/>
           </a:ln>
@@ -2844,7 +2937,7 @@
         <a:buFontTx/>
         <a:buNone/>
         <a:tabLst/>
-        <a:defRPr b="0" baseline="0" cap="none" i="0" spc="0" strike="noStrike" sz="1800" u="none">
+        <a:defRPr sz="1800" b="0" i="0" u="none" strike="noStrike" cap="none" spc="0" baseline="0">
           <a:ln>
             <a:noFill/>
           </a:ln>
@@ -2873,7 +2966,7 @@
         <a:buFontTx/>
         <a:buNone/>
         <a:tabLst/>
-        <a:defRPr b="0" baseline="0" cap="none" i="0" spc="0" strike="noStrike" sz="1800" u="none">
+        <a:defRPr sz="1800" b="0" i="0" u="none" strike="noStrike" cap="none" spc="0" baseline="0">
           <a:ln>
             <a:noFill/>
           </a:ln>
@@ -2902,7 +2995,7 @@
         <a:buFontTx/>
         <a:buNone/>
         <a:tabLst/>
-        <a:defRPr b="0" baseline="0" cap="none" i="0" spc="0" strike="noStrike" sz="1800" u="none">
+        <a:defRPr sz="1800" b="0" i="0" u="none" strike="noStrike" cap="none" spc="0" baseline="0">
           <a:ln>
             <a:noFill/>
           </a:ln>
@@ -2931,7 +3024,7 @@
         <a:buFontTx/>
         <a:buNone/>
         <a:tabLst/>
-        <a:defRPr b="0" baseline="0" cap="none" i="0" spc="0" strike="noStrike" sz="1800" u="none">
+        <a:defRPr sz="1800" b="0" i="0" u="none" strike="noStrike" cap="none" spc="0" baseline="0">
           <a:ln>
             <a:noFill/>
           </a:ln>
@@ -2960,7 +3053,7 @@
         <a:buFontTx/>
         <a:buNone/>
         <a:tabLst/>
-        <a:defRPr b="0" baseline="0" cap="none" i="0" spc="0" strike="noStrike" sz="1800" u="none">
+        <a:defRPr sz="1800" b="0" i="0" u="none" strike="noStrike" cap="none" spc="0" baseline="0">
           <a:ln>
             <a:noFill/>
           </a:ln>
@@ -2980,7 +3073,7 @@
 </file>
 
 <file path=ppt/slides/slide1.xml><?xml version="1.0" encoding="utf-8"?>
-<p:sld xmlns:a="http://schemas.openxmlformats.org/drawingml/2006/main" xmlns:r="http://schemas.openxmlformats.org/officeDocument/2006/relationships" xmlns:p="http://schemas.openxmlformats.org/presentationml/2006/main" showMasterSp="1" showMasterPhAnim="1">
+<p:sld xmlns:a="http://schemas.openxmlformats.org/drawingml/2006/main" xmlns:r="http://schemas.openxmlformats.org/officeDocument/2006/relationships" xmlns:p="http://schemas.openxmlformats.org/presentationml/2006/main">
   <p:cSld>
     <p:spTree>
       <p:nvGrpSpPr>
@@ -2999,7 +3092,9 @@
       <p:sp>
         <p:nvSpPr>
           <p:cNvPr id="119" name="Shape 119"/>
-          <p:cNvSpPr/>
+          <p:cNvSpPr>
+            <a:spLocks noGrp="1"/>
+          </p:cNvSpPr>
           <p:nvPr>
             <p:ph type="ctrTitle"/>
           </p:nvPr>
@@ -3017,7 +3112,6 @@
           <a:bodyPr/>
           <a:lstStyle/>
           <a:p>
-            <a:pPr/>
             <a:r>
               <a:t>Load Tests with Gatling</a:t>
             </a:r>
@@ -3087,12 +3181,12 @@
   <p:clrMapOvr>
     <a:masterClrMapping/>
   </p:clrMapOvr>
-  <p:transition xmlns:p14="http://schemas.microsoft.com/office/powerpoint/2010/main" spd="med" advClick="1"/>
+  <p:transition spd="med"/>
 </p:sld>
 </file>
 
 <file path=ppt/slides/slide10.xml><?xml version="1.0" encoding="utf-8"?>
-<p:sld xmlns:a="http://schemas.openxmlformats.org/drawingml/2006/main" xmlns:r="http://schemas.openxmlformats.org/officeDocument/2006/relationships" xmlns:p="http://schemas.openxmlformats.org/presentationml/2006/main" showMasterSp="1" showMasterPhAnim="1">
+<p:sld xmlns:a="http://schemas.openxmlformats.org/drawingml/2006/main" xmlns:r="http://schemas.openxmlformats.org/officeDocument/2006/relationships" xmlns:p="http://schemas.openxmlformats.org/presentationml/2006/main">
   <p:cSld>
     <p:spTree>
       <p:nvGrpSpPr>
@@ -3111,7 +3205,9 @@
       <p:sp>
         <p:nvSpPr>
           <p:cNvPr id="158" name="Shape 158"/>
-          <p:cNvSpPr/>
+          <p:cNvSpPr>
+            <a:spLocks noGrp="1"/>
+          </p:cNvSpPr>
           <p:nvPr>
             <p:ph type="title"/>
           </p:nvPr>
@@ -3141,20 +3237,27 @@
               </a:defRPr>
             </a:pPr>
             <a:r>
+              <a:rPr dirty="0" err="1"/>
               <a:t>Quickstart</a:t>
             </a:r>
-          </a:p>
-          <a:p>
-            <a:pPr marL="987777" indent="-987777" algn="l">
+            <a:endParaRPr dirty="0"/>
+          </a:p>
+          <a:p>
+            <a:pPr marL="1143000" indent="-1143000" algn="l">
               <a:buSzPct val="75000"/>
+              <a:buFont typeface="Arial" panose="020B0604020202020204" pitchFamily="34" charset="0"/>
+              <a:buChar char="•"/>
             </a:pPr>
             <a:r>
+              <a:rPr dirty="0"/>
               <a:t>Tidying up</a:t>
             </a:r>
           </a:p>
           <a:p>
-            <a:pPr marL="987777" indent="-987777" algn="l">
+            <a:pPr marL="1143000" indent="-1143000" algn="l">
               <a:buSzPct val="75000"/>
+              <a:buFont typeface="Arial" panose="020B0604020202020204" pitchFamily="34" charset="0"/>
+              <a:buChar char="•"/>
               <a:defRPr>
                 <a:solidFill>
                   <a:srgbClr val="000000">
@@ -3164,12 +3267,15 @@
               </a:defRPr>
             </a:pPr>
             <a:r>
+              <a:rPr dirty="0"/>
               <a:t>Refactoring</a:t>
             </a:r>
           </a:p>
           <a:p>
-            <a:pPr marL="987777" indent="-987777" algn="l">
+            <a:pPr marL="1143000" indent="-1143000" algn="l">
               <a:buSzPct val="75000"/>
+              <a:buFont typeface="Arial" panose="020B0604020202020204" pitchFamily="34" charset="0"/>
+              <a:buChar char="•"/>
               <a:defRPr>
                 <a:solidFill>
                   <a:srgbClr val="000000">
@@ -3179,6 +3285,7 @@
               </a:defRPr>
             </a:pPr>
             <a:r>
+              <a:rPr dirty="0"/>
               <a:t>Simulating many users</a:t>
             </a:r>
           </a:p>
@@ -3189,12 +3296,12 @@
   <p:clrMapOvr>
     <a:masterClrMapping/>
   </p:clrMapOvr>
-  <p:transition xmlns:p14="http://schemas.microsoft.com/office/powerpoint/2010/main" spd="med" advClick="1" p14:dur="1000"/>
+  <p:transition spd="slow"/>
 </p:sld>
 </file>
 
 <file path=ppt/slides/slide11.xml><?xml version="1.0" encoding="utf-8"?>
-<p:sld xmlns:a="http://schemas.openxmlformats.org/drawingml/2006/main" xmlns:r="http://schemas.openxmlformats.org/officeDocument/2006/relationships" xmlns:p="http://schemas.openxmlformats.org/presentationml/2006/main" showMasterSp="1" showMasterPhAnim="1">
+<p:sld xmlns:a="http://schemas.openxmlformats.org/drawingml/2006/main" xmlns:r="http://schemas.openxmlformats.org/officeDocument/2006/relationships" xmlns:p="http://schemas.openxmlformats.org/presentationml/2006/main">
   <p:cSld>
     <p:spTree>
       <p:nvGrpSpPr>
@@ -3213,7 +3320,9 @@
       <p:sp>
         <p:nvSpPr>
           <p:cNvPr id="160" name="Shape 160"/>
-          <p:cNvSpPr/>
+          <p:cNvSpPr>
+            <a:spLocks noGrp="1"/>
+          </p:cNvSpPr>
           <p:nvPr>
             <p:ph type="title"/>
           </p:nvPr>
@@ -3233,7 +3342,6 @@
             </a:lvl1pPr>
           </a:lstStyle>
           <a:p>
-            <a:pPr/>
             <a:r>
               <a:t>Tidying up</a:t>
             </a:r>
@@ -3243,7 +3351,9 @@
       <p:sp>
         <p:nvSpPr>
           <p:cNvPr id="161" name="Shape 161"/>
-          <p:cNvSpPr/>
+          <p:cNvSpPr>
+            <a:spLocks noGrp="1"/>
+          </p:cNvSpPr>
           <p:nvPr>
             <p:ph type="body" idx="1"/>
           </p:nvPr>
@@ -3387,6 +3497,7 @@
             <a:pPr>
               <a:defRPr sz="2400"/>
             </a:pPr>
+            <a:endParaRPr/>
           </a:p>
         </p:txBody>
       </p:sp>
@@ -3395,12 +3506,12 @@
   <p:clrMapOvr>
     <a:masterClrMapping/>
   </p:clrMapOvr>
-  <p:transition xmlns:p14="http://schemas.microsoft.com/office/powerpoint/2010/main" spd="med" advClick="1" p14:dur="1000"/>
+  <p:transition spd="slow"/>
 </p:sld>
 </file>
 
 <file path=ppt/slides/slide12.xml><?xml version="1.0" encoding="utf-8"?>
-<p:sld xmlns:a="http://schemas.openxmlformats.org/drawingml/2006/main" xmlns:r="http://schemas.openxmlformats.org/officeDocument/2006/relationships" xmlns:p="http://schemas.openxmlformats.org/presentationml/2006/main" showMasterSp="1" showMasterPhAnim="1">
+<p:sld xmlns:a="http://schemas.openxmlformats.org/drawingml/2006/main" xmlns:r="http://schemas.openxmlformats.org/officeDocument/2006/relationships" xmlns:p="http://schemas.openxmlformats.org/presentationml/2006/main">
   <p:cSld>
     <p:spTree>
       <p:nvGrpSpPr>
@@ -3419,7 +3530,9 @@
       <p:sp>
         <p:nvSpPr>
           <p:cNvPr id="165" name="Shape 165"/>
-          <p:cNvSpPr/>
+          <p:cNvSpPr>
+            <a:spLocks noGrp="1"/>
+          </p:cNvSpPr>
           <p:nvPr>
             <p:ph type="title"/>
           </p:nvPr>
@@ -3439,7 +3552,6 @@
             </a:lvl1pPr>
           </a:lstStyle>
           <a:p>
-            <a:pPr/>
             <a:r>
               <a:t>Tidying up</a:t>
             </a:r>
@@ -3449,7 +3561,9 @@
       <p:sp>
         <p:nvSpPr>
           <p:cNvPr id="166" name="Shape 166"/>
-          <p:cNvSpPr/>
+          <p:cNvSpPr>
+            <a:spLocks noGrp="1"/>
+          </p:cNvSpPr>
           <p:nvPr>
             <p:ph type="body" idx="1"/>
           </p:nvPr>
@@ -3589,6 +3703,7 @@
             <a:pPr>
               <a:defRPr sz="2400"/>
             </a:pPr>
+            <a:endParaRPr/>
           </a:p>
         </p:txBody>
       </p:sp>
@@ -3620,6 +3735,7 @@
             <a:pPr>
               <a:defRPr sz="2400"/>
             </a:pPr>
+            <a:endParaRPr/>
           </a:p>
         </p:txBody>
       </p:sp>
@@ -3628,12 +3744,12 @@
   <p:clrMapOvr>
     <a:masterClrMapping/>
   </p:clrMapOvr>
-  <p:transition xmlns:p14="http://schemas.microsoft.com/office/powerpoint/2010/main" spd="med" advClick="1" p14:dur="1000"/>
+  <p:transition spd="slow"/>
 </p:sld>
 </file>
 
 <file path=ppt/slides/slide13.xml><?xml version="1.0" encoding="utf-8"?>
-<p:sld xmlns:a="http://schemas.openxmlformats.org/drawingml/2006/main" xmlns:r="http://schemas.openxmlformats.org/officeDocument/2006/relationships" xmlns:p="http://schemas.openxmlformats.org/presentationml/2006/main" showMasterSp="1" showMasterPhAnim="1">
+<p:sld xmlns:a="http://schemas.openxmlformats.org/drawingml/2006/main" xmlns:r="http://schemas.openxmlformats.org/officeDocument/2006/relationships" xmlns:p="http://schemas.openxmlformats.org/presentationml/2006/main">
   <p:cSld>
     <p:spTree>
       <p:nvGrpSpPr>
@@ -3652,7 +3768,9 @@
       <p:sp>
         <p:nvSpPr>
           <p:cNvPr id="171" name="Shape 171"/>
-          <p:cNvSpPr/>
+          <p:cNvSpPr>
+            <a:spLocks noGrp="1"/>
+          </p:cNvSpPr>
           <p:nvPr>
             <p:ph type="title"/>
           </p:nvPr>
@@ -3672,7 +3790,6 @@
             </a:lvl1pPr>
           </a:lstStyle>
           <a:p>
-            <a:pPr/>
             <a:r>
               <a:t>Tidying up</a:t>
             </a:r>
@@ -3682,7 +3799,9 @@
       <p:sp>
         <p:nvSpPr>
           <p:cNvPr id="172" name="Shape 172"/>
-          <p:cNvSpPr/>
+          <p:cNvSpPr>
+            <a:spLocks noGrp="1"/>
+          </p:cNvSpPr>
           <p:nvPr>
             <p:ph type="body" idx="1"/>
           </p:nvPr>
@@ -3818,6 +3937,7 @@
             <a:pPr>
               <a:defRPr sz="2400"/>
             </a:pPr>
+            <a:endParaRPr/>
           </a:p>
         </p:txBody>
       </p:sp>
@@ -3849,6 +3969,7 @@
             <a:pPr>
               <a:defRPr sz="2400"/>
             </a:pPr>
+            <a:endParaRPr/>
           </a:p>
         </p:txBody>
       </p:sp>
@@ -3857,12 +3978,12 @@
   <p:clrMapOvr>
     <a:masterClrMapping/>
   </p:clrMapOvr>
-  <p:transition xmlns:p14="http://schemas.microsoft.com/office/powerpoint/2010/main" spd="med" advClick="1" p14:dur="1000"/>
+  <p:transition spd="slow"/>
 </p:sld>
 </file>
 
 <file path=ppt/slides/slide14.xml><?xml version="1.0" encoding="utf-8"?>
-<p:sld xmlns:a="http://schemas.openxmlformats.org/drawingml/2006/main" xmlns:r="http://schemas.openxmlformats.org/officeDocument/2006/relationships" xmlns:p="http://schemas.openxmlformats.org/presentationml/2006/main" showMasterSp="1" showMasterPhAnim="1">
+<p:sld xmlns:a="http://schemas.openxmlformats.org/drawingml/2006/main" xmlns:r="http://schemas.openxmlformats.org/officeDocument/2006/relationships" xmlns:p="http://schemas.openxmlformats.org/presentationml/2006/main">
   <p:cSld>
     <p:spTree>
       <p:nvGrpSpPr>
@@ -3881,7 +4002,9 @@
       <p:sp>
         <p:nvSpPr>
           <p:cNvPr id="177" name="Shape 177"/>
-          <p:cNvSpPr/>
+          <p:cNvSpPr>
+            <a:spLocks noGrp="1"/>
+          </p:cNvSpPr>
           <p:nvPr>
             <p:ph type="title"/>
           </p:nvPr>
@@ -3901,7 +4024,6 @@
             </a:lvl1pPr>
           </a:lstStyle>
           <a:p>
-            <a:pPr/>
             <a:r>
               <a:t>Tidying up</a:t>
             </a:r>
@@ -3940,7 +4062,9 @@
       <p:sp>
         <p:nvSpPr>
           <p:cNvPr id="179" name="Shape 179"/>
-          <p:cNvSpPr/>
+          <p:cNvSpPr>
+            <a:spLocks noGrp="1"/>
+          </p:cNvSpPr>
           <p:nvPr>
             <p:ph type="body" idx="1"/>
           </p:nvPr>
@@ -4047,6 +4171,7 @@
             <a:pPr>
               <a:defRPr sz="2400"/>
             </a:pPr>
+            <a:endParaRPr/>
           </a:p>
         </p:txBody>
       </p:sp>
@@ -4055,12 +4180,12 @@
   <p:clrMapOvr>
     <a:masterClrMapping/>
   </p:clrMapOvr>
-  <p:transition xmlns:p14="http://schemas.microsoft.com/office/powerpoint/2010/main" spd="med" advClick="1" p14:dur="1000"/>
+  <p:transition spd="slow"/>
 </p:sld>
 </file>
 
 <file path=ppt/slides/slide15.xml><?xml version="1.0" encoding="utf-8"?>
-<p:sld xmlns:a="http://schemas.openxmlformats.org/drawingml/2006/main" xmlns:r="http://schemas.openxmlformats.org/officeDocument/2006/relationships" xmlns:p="http://schemas.openxmlformats.org/presentationml/2006/main" showMasterSp="1" showMasterPhAnim="1">
+<p:sld xmlns:a="http://schemas.openxmlformats.org/drawingml/2006/main" xmlns:r="http://schemas.openxmlformats.org/officeDocument/2006/relationships" xmlns:p="http://schemas.openxmlformats.org/presentationml/2006/main">
   <p:cSld>
     <p:spTree>
       <p:nvGrpSpPr>
@@ -4079,7 +4204,9 @@
       <p:sp>
         <p:nvSpPr>
           <p:cNvPr id="182" name="Shape 182"/>
-          <p:cNvSpPr/>
+          <p:cNvSpPr>
+            <a:spLocks noGrp="1"/>
+          </p:cNvSpPr>
           <p:nvPr>
             <p:ph type="title"/>
           </p:nvPr>
@@ -4109,12 +4236,16 @@
               </a:defRPr>
             </a:pPr>
             <a:r>
+              <a:rPr dirty="0" err="1"/>
               <a:t>Quickstart</a:t>
             </a:r>
-          </a:p>
-          <a:p>
-            <a:pPr marL="987777" indent="-987777" algn="l">
+            <a:endParaRPr dirty="0"/>
+          </a:p>
+          <a:p>
+            <a:pPr marL="1143000" indent="-1143000" algn="l">
               <a:buSzPct val="75000"/>
+              <a:buFont typeface="Arial" panose="020B0604020202020204" pitchFamily="34" charset="0"/>
+              <a:buChar char="•"/>
               <a:defRPr>
                 <a:solidFill>
                   <a:srgbClr val="000000">
@@ -4124,20 +4255,26 @@
               </a:defRPr>
             </a:pPr>
             <a:r>
+              <a:rPr dirty="0"/>
               <a:t>Tidying up</a:t>
             </a:r>
           </a:p>
           <a:p>
-            <a:pPr marL="987777" indent="-987777" algn="l">
+            <a:pPr marL="1143000" indent="-1143000" algn="l">
               <a:buSzPct val="75000"/>
+              <a:buFont typeface="Arial" panose="020B0604020202020204" pitchFamily="34" charset="0"/>
+              <a:buChar char="•"/>
             </a:pPr>
             <a:r>
+              <a:rPr dirty="0"/>
               <a:t>Refactoring</a:t>
             </a:r>
           </a:p>
           <a:p>
-            <a:pPr marL="987777" indent="-987777" algn="l">
+            <a:pPr marL="1143000" indent="-1143000" algn="l">
               <a:buSzPct val="75000"/>
+              <a:buFont typeface="Arial" panose="020B0604020202020204" pitchFamily="34" charset="0"/>
+              <a:buChar char="•"/>
               <a:defRPr>
                 <a:solidFill>
                   <a:srgbClr val="000000">
@@ -4147,6 +4284,7 @@
               </a:defRPr>
             </a:pPr>
             <a:r>
+              <a:rPr dirty="0"/>
               <a:t>Simulating many users</a:t>
             </a:r>
           </a:p>
@@ -4157,12 +4295,12 @@
   <p:clrMapOvr>
     <a:masterClrMapping/>
   </p:clrMapOvr>
-  <p:transition xmlns:p14="http://schemas.microsoft.com/office/powerpoint/2010/main" spd="med" advClick="1" p14:dur="1000"/>
+  <p:transition spd="slow"/>
 </p:sld>
 </file>
 
 <file path=ppt/slides/slide16.xml><?xml version="1.0" encoding="utf-8"?>
-<p:sld xmlns:a="http://schemas.openxmlformats.org/drawingml/2006/main" xmlns:r="http://schemas.openxmlformats.org/officeDocument/2006/relationships" xmlns:p="http://schemas.openxmlformats.org/presentationml/2006/main" showMasterSp="1" showMasterPhAnim="1">
+<p:sld xmlns:a="http://schemas.openxmlformats.org/drawingml/2006/main" xmlns:r="http://schemas.openxmlformats.org/officeDocument/2006/relationships" xmlns:p="http://schemas.openxmlformats.org/presentationml/2006/main">
   <p:cSld>
     <p:spTree>
       <p:nvGrpSpPr>
@@ -4181,7 +4319,9 @@
       <p:sp>
         <p:nvSpPr>
           <p:cNvPr id="184" name="Shape 184"/>
-          <p:cNvSpPr/>
+          <p:cNvSpPr>
+            <a:spLocks noGrp="1"/>
+          </p:cNvSpPr>
           <p:nvPr>
             <p:ph type="title"/>
           </p:nvPr>
@@ -4201,7 +4341,6 @@
             </a:lvl1pPr>
           </a:lstStyle>
           <a:p>
-            <a:pPr/>
             <a:r>
               <a:t>Refactoring</a:t>
             </a:r>
@@ -4211,7 +4350,9 @@
       <p:sp>
         <p:nvSpPr>
           <p:cNvPr id="185" name="Shape 185"/>
-          <p:cNvSpPr/>
+          <p:cNvSpPr>
+            <a:spLocks noGrp="1"/>
+          </p:cNvSpPr>
           <p:nvPr>
             <p:ph type="body" sz="half" idx="1"/>
           </p:nvPr>
@@ -4296,12 +4437,12 @@
   <p:clrMapOvr>
     <a:masterClrMapping/>
   </p:clrMapOvr>
-  <p:transition xmlns:p14="http://schemas.microsoft.com/office/powerpoint/2010/main" spd="med" advClick="1" p14:dur="1000"/>
+  <p:transition spd="slow"/>
 </p:sld>
 </file>
 
 <file path=ppt/slides/slide17.xml><?xml version="1.0" encoding="utf-8"?>
-<p:sld xmlns:a="http://schemas.openxmlformats.org/drawingml/2006/main" xmlns:r="http://schemas.openxmlformats.org/officeDocument/2006/relationships" xmlns:p="http://schemas.openxmlformats.org/presentationml/2006/main" showMasterSp="1" showMasterPhAnim="1">
+<p:sld xmlns:a="http://schemas.openxmlformats.org/drawingml/2006/main" xmlns:r="http://schemas.openxmlformats.org/officeDocument/2006/relationships" xmlns:p="http://schemas.openxmlformats.org/presentationml/2006/main">
   <p:cSld>
     <p:spTree>
       <p:nvGrpSpPr>
@@ -4320,7 +4461,9 @@
       <p:sp>
         <p:nvSpPr>
           <p:cNvPr id="188" name="Shape 188"/>
-          <p:cNvSpPr/>
+          <p:cNvSpPr>
+            <a:spLocks noGrp="1"/>
+          </p:cNvSpPr>
           <p:nvPr>
             <p:ph type="title"/>
           </p:nvPr>
@@ -4398,12 +4541,12 @@
   <p:clrMapOvr>
     <a:masterClrMapping/>
   </p:clrMapOvr>
-  <p:transition xmlns:p14="http://schemas.microsoft.com/office/powerpoint/2010/main" spd="med" advClick="1" p14:dur="1000"/>
+  <p:transition spd="slow"/>
 </p:sld>
 </file>
 
 <file path=ppt/slides/slide18.xml><?xml version="1.0" encoding="utf-8"?>
-<p:sld xmlns:a="http://schemas.openxmlformats.org/drawingml/2006/main" xmlns:r="http://schemas.openxmlformats.org/officeDocument/2006/relationships" xmlns:p="http://schemas.openxmlformats.org/presentationml/2006/main" showMasterSp="1" showMasterPhAnim="1">
+<p:sld xmlns:a="http://schemas.openxmlformats.org/drawingml/2006/main" xmlns:r="http://schemas.openxmlformats.org/officeDocument/2006/relationships" xmlns:p="http://schemas.openxmlformats.org/presentationml/2006/main">
   <p:cSld>
     <p:spTree>
       <p:nvGrpSpPr>
@@ -4422,7 +4565,9 @@
       <p:sp>
         <p:nvSpPr>
           <p:cNvPr id="190" name="Shape 190"/>
-          <p:cNvSpPr/>
+          <p:cNvSpPr>
+            <a:spLocks noGrp="1"/>
+          </p:cNvSpPr>
           <p:nvPr>
             <p:ph type="title"/>
           </p:nvPr>
@@ -4442,7 +4587,6 @@
             </a:lvl1pPr>
           </a:lstStyle>
           <a:p>
-            <a:pPr/>
             <a:r>
               <a:t>Multiple scenarios</a:t>
             </a:r>
@@ -4483,12 +4627,12 @@
   <p:clrMapOvr>
     <a:masterClrMapping/>
   </p:clrMapOvr>
-  <p:transition xmlns:p14="http://schemas.microsoft.com/office/powerpoint/2010/main" spd="med" advClick="1" p14:dur="1000"/>
+  <p:transition spd="slow"/>
 </p:sld>
 </file>
 
 <file path=ppt/slides/slide19.xml><?xml version="1.0" encoding="utf-8"?>
-<p:sld xmlns:a="http://schemas.openxmlformats.org/drawingml/2006/main" xmlns:r="http://schemas.openxmlformats.org/officeDocument/2006/relationships" xmlns:p="http://schemas.openxmlformats.org/presentationml/2006/main" showMasterSp="1" showMasterPhAnim="1">
+<p:sld xmlns:a="http://schemas.openxmlformats.org/drawingml/2006/main" xmlns:r="http://schemas.openxmlformats.org/officeDocument/2006/relationships" xmlns:p="http://schemas.openxmlformats.org/presentationml/2006/main">
   <p:cSld>
     <p:spTree>
       <p:nvGrpSpPr>
@@ -4507,7 +4651,9 @@
       <p:sp>
         <p:nvSpPr>
           <p:cNvPr id="193" name="Shape 193"/>
-          <p:cNvSpPr/>
+          <p:cNvSpPr>
+            <a:spLocks noGrp="1"/>
+          </p:cNvSpPr>
           <p:nvPr>
             <p:ph type="title"/>
           </p:nvPr>
@@ -4527,7 +4673,6 @@
             </a:lvl1pPr>
           </a:lstStyle>
           <a:p>
-            <a:pPr/>
             <a:r>
               <a:t>Multiple users</a:t>
             </a:r>
@@ -4597,12 +4742,12 @@
   <p:clrMapOvr>
     <a:masterClrMapping/>
   </p:clrMapOvr>
-  <p:transition xmlns:p14="http://schemas.microsoft.com/office/powerpoint/2010/main" spd="med" advClick="1" p14:dur="1000"/>
+  <p:transition spd="slow"/>
 </p:sld>
 </file>
 
 <file path=ppt/slides/slide2.xml><?xml version="1.0" encoding="utf-8"?>
-<p:sld xmlns:a="http://schemas.openxmlformats.org/drawingml/2006/main" xmlns:r="http://schemas.openxmlformats.org/officeDocument/2006/relationships" xmlns:p="http://schemas.openxmlformats.org/presentationml/2006/main" showMasterSp="1" showMasterPhAnim="1">
+<p:sld xmlns:a="http://schemas.openxmlformats.org/drawingml/2006/main" xmlns:r="http://schemas.openxmlformats.org/officeDocument/2006/relationships" xmlns:p="http://schemas.openxmlformats.org/presentationml/2006/main">
   <p:cSld>
     <p:spTree>
       <p:nvGrpSpPr>
@@ -4621,7 +4766,9 @@
       <p:sp>
         <p:nvSpPr>
           <p:cNvPr id="123" name="Shape 123"/>
-          <p:cNvSpPr/>
+          <p:cNvSpPr>
+            <a:spLocks noGrp="1"/>
+          </p:cNvSpPr>
           <p:nvPr>
             <p:ph type="title"/>
           </p:nvPr>
@@ -4635,7 +4782,6 @@
           <a:bodyPr/>
           <a:lstStyle/>
           <a:p>
-            <a:pPr/>
             <a:r>
               <a:t>In a Nutshell</a:t>
             </a:r>
@@ -4645,7 +4791,9 @@
       <p:sp>
         <p:nvSpPr>
           <p:cNvPr id="124" name="Shape 124"/>
-          <p:cNvSpPr/>
+          <p:cNvSpPr>
+            <a:spLocks noGrp="1"/>
+          </p:cNvSpPr>
           <p:nvPr>
             <p:ph type="body" idx="1"/>
           </p:nvPr>
@@ -4777,12 +4925,12 @@
   <p:clrMapOvr>
     <a:masterClrMapping/>
   </p:clrMapOvr>
-  <p:transition xmlns:p14="http://schemas.microsoft.com/office/powerpoint/2010/main" spd="med" advClick="1" p14:dur="1000"/>
+  <p:transition spd="slow"/>
 </p:sld>
 </file>
 
 <file path=ppt/slides/slide20.xml><?xml version="1.0" encoding="utf-8"?>
-<p:sld xmlns:a="http://schemas.openxmlformats.org/drawingml/2006/main" xmlns:r="http://schemas.openxmlformats.org/officeDocument/2006/relationships" xmlns:p="http://schemas.openxmlformats.org/presentationml/2006/main" showMasterSp="1" showMasterPhAnim="1">
+<p:sld xmlns:a="http://schemas.openxmlformats.org/drawingml/2006/main" xmlns:r="http://schemas.openxmlformats.org/officeDocument/2006/relationships" xmlns:p="http://schemas.openxmlformats.org/presentationml/2006/main">
   <p:cSld>
     <p:spTree>
       <p:nvGrpSpPr>
@@ -4801,7 +4949,9 @@
       <p:sp>
         <p:nvSpPr>
           <p:cNvPr id="197" name="Shape 197"/>
-          <p:cNvSpPr/>
+          <p:cNvSpPr>
+            <a:spLocks noGrp="1"/>
+          </p:cNvSpPr>
           <p:nvPr>
             <p:ph type="title"/>
           </p:nvPr>
@@ -4821,7 +4971,6 @@
             </a:lvl1pPr>
           </a:lstStyle>
           <a:p>
-            <a:pPr/>
             <a:r>
               <a:t>Feeders</a:t>
             </a:r>
@@ -4831,7 +4980,9 @@
       <p:sp>
         <p:nvSpPr>
           <p:cNvPr id="198" name="Shape 198"/>
-          <p:cNvSpPr/>
+          <p:cNvSpPr>
+            <a:spLocks noGrp="1"/>
+          </p:cNvSpPr>
           <p:nvPr>
             <p:ph type="body" sz="half" idx="1"/>
           </p:nvPr>
@@ -4953,212 +5104,12 @@
   <p:clrMapOvr>
     <a:masterClrMapping/>
   </p:clrMapOvr>
-  <p:transition xmlns:p14="http://schemas.microsoft.com/office/powerpoint/2010/main" spd="med" advClick="1" p14:dur="1000"/>
-</p:sld>
-</file>
-
-<file path=ppt/slides/slide21.xml><?xml version="1.0" encoding="utf-8"?>
-<p:sld xmlns:a="http://schemas.openxmlformats.org/drawingml/2006/main" xmlns:r="http://schemas.openxmlformats.org/officeDocument/2006/relationships" xmlns:p="http://schemas.openxmlformats.org/presentationml/2006/main" showMasterSp="1" showMasterPhAnim="1">
-  <p:cSld>
-    <p:spTree>
-      <p:nvGrpSpPr>
-        <p:cNvPr id="1" name=""/>
-        <p:cNvGrpSpPr/>
-        <p:nvPr/>
-      </p:nvGrpSpPr>
-      <p:grpSpPr>
-        <a:xfrm>
-          <a:off x="0" y="0"/>
-          <a:ext cx="0" cy="0"/>
-          <a:chOff x="0" y="0"/>
-          <a:chExt cx="0" cy="0"/>
-        </a:xfrm>
-      </p:grpSpPr>
-      <p:sp>
-        <p:nvSpPr>
-          <p:cNvPr id="200" name="Shape 200"/>
-          <p:cNvSpPr/>
-          <p:nvPr>
-            <p:ph type="title"/>
-          </p:nvPr>
-        </p:nvSpPr>
-        <p:spPr>
-          <a:prstGeom prst="rect">
-            <a:avLst/>
-          </a:prstGeom>
-        </p:spPr>
-        <p:txBody>
-          <a:bodyPr/>
-          <a:lstStyle>
-            <a:lvl1pPr>
-              <a:lnSpc>
-                <a:spcPct val="50000"/>
-              </a:lnSpc>
-            </a:lvl1pPr>
-          </a:lstStyle>
-          <a:p>
-            <a:pPr/>
-            <a:r>
-              <a:t>Create virtual Users</a:t>
-            </a:r>
-          </a:p>
-        </p:txBody>
-      </p:sp>
-      <p:sp>
-        <p:nvSpPr>
-          <p:cNvPr id="201" name="Shape 201"/>
-          <p:cNvSpPr/>
-          <p:nvPr>
-            <p:ph type="body" idx="1"/>
-          </p:nvPr>
-        </p:nvSpPr>
-        <p:spPr>
-          <a:prstGeom prst="rect">
-            <a:avLst/>
-          </a:prstGeom>
-        </p:spPr>
-        <p:txBody>
-          <a:bodyPr anchor="t"/>
-          <a:lstStyle/>
-          <a:p>
-            <a:pPr marL="0" indent="0" defTabSz="549148">
-              <a:spcBef>
-                <a:spcPts val="1500"/>
-              </a:spcBef>
-              <a:buSzTx/>
-              <a:buNone/>
-              <a:defRPr sz="3384">
-                <a:latin typeface="Helvetica"/>
-                <a:ea typeface="Helvetica"/>
-                <a:cs typeface="Helvetica"/>
-                <a:sym typeface="Helvetica"/>
-              </a:defRPr>
-            </a:pPr>
-            <a:r>
-              <a:t>val users = scenario("Users").exec(Search.search, Browse.browse)</a:t>
-            </a:r>
-          </a:p>
-          <a:p>
-            <a:pPr marL="0" indent="0" defTabSz="549148">
-              <a:spcBef>
-                <a:spcPts val="1500"/>
-              </a:spcBef>
-              <a:buSzTx/>
-              <a:buNone/>
-              <a:defRPr sz="3384">
-                <a:latin typeface="Helvetica"/>
-                <a:ea typeface="Helvetica"/>
-                <a:cs typeface="Helvetica"/>
-                <a:sym typeface="Helvetica"/>
-              </a:defRPr>
-            </a:pPr>
-            <a:r>
-              <a:t>val admins = scenario("Admins").exec(Search.search, Browse.browse, Edit.edit)</a:t>
-            </a:r>
-          </a:p>
-          <a:p>
-            <a:pPr marL="0" indent="0" defTabSz="549148">
-              <a:spcBef>
-                <a:spcPts val="1500"/>
-              </a:spcBef>
-              <a:buSzTx/>
-              <a:buNone/>
-              <a:defRPr sz="3384">
-                <a:latin typeface="Helvetica"/>
-                <a:ea typeface="Helvetica"/>
-                <a:cs typeface="Helvetica"/>
-                <a:sym typeface="Helvetica"/>
-              </a:defRPr>
-            </a:pPr>
-            <a:r>
-              <a:t>setUp(users.inject(atOnceUsers(10)).protocols(httpConf))</a:t>
-            </a:r>
-          </a:p>
-          <a:p>
-            <a:pPr marL="0" indent="0" defTabSz="549148">
-              <a:spcBef>
-                <a:spcPts val="1500"/>
-              </a:spcBef>
-              <a:buSzTx/>
-              <a:buNone/>
-              <a:defRPr sz="3384">
-                <a:latin typeface="Helvetica"/>
-                <a:ea typeface="Helvetica"/>
-                <a:cs typeface="Helvetica"/>
-                <a:sym typeface="Helvetica"/>
-              </a:defRPr>
-            </a:pPr>
-            <a:r>
-              <a:t>setUp(</a:t>
-            </a:r>
-          </a:p>
-          <a:p>
-            <a:pPr marL="0" indent="0" defTabSz="549148">
-              <a:spcBef>
-                <a:spcPts val="1500"/>
-              </a:spcBef>
-              <a:buSzTx/>
-              <a:buNone/>
-              <a:defRPr sz="3384">
-                <a:latin typeface="Helvetica"/>
-                <a:ea typeface="Helvetica"/>
-                <a:cs typeface="Helvetica"/>
-                <a:sym typeface="Helvetica"/>
-              </a:defRPr>
-            </a:pPr>
-            <a:r>
-              <a:t>  users.inject(rampUsers(10) over (10 seconds)),</a:t>
-            </a:r>
-          </a:p>
-          <a:p>
-            <a:pPr marL="0" indent="0" defTabSz="549148">
-              <a:spcBef>
-                <a:spcPts val="1500"/>
-              </a:spcBef>
-              <a:buSzTx/>
-              <a:buNone/>
-              <a:defRPr sz="3384">
-                <a:latin typeface="Helvetica"/>
-                <a:ea typeface="Helvetica"/>
-                <a:cs typeface="Helvetica"/>
-                <a:sym typeface="Helvetica"/>
-              </a:defRPr>
-            </a:pPr>
-            <a:r>
-              <a:t>  admins.inject(rampUsers(2) over (10 seconds))</a:t>
-            </a:r>
-          </a:p>
-          <a:p>
-            <a:pPr marL="0" indent="0" defTabSz="549148">
-              <a:spcBef>
-                <a:spcPts val="1500"/>
-              </a:spcBef>
-              <a:buSzTx/>
-              <a:buNone/>
-              <a:defRPr sz="3384">
-                <a:latin typeface="Helvetica"/>
-                <a:ea typeface="Helvetica"/>
-                <a:cs typeface="Helvetica"/>
-                <a:sym typeface="Helvetica"/>
-              </a:defRPr>
-            </a:pPr>
-            <a:r>
-              <a:t>).protocols(httpConf)</a:t>
-            </a:r>
-          </a:p>
-        </p:txBody>
-      </p:sp>
-    </p:spTree>
-  </p:cSld>
-  <p:clrMapOvr>
-    <a:masterClrMapping/>
-  </p:clrMapOvr>
-  <p:transition xmlns:p14="http://schemas.microsoft.com/office/powerpoint/2010/main" spd="med" advClick="1" p14:dur="1000"/>
+  <p:transition spd="slow"/>
 </p:sld>
 </file>
 
 <file path=ppt/slides/slide3.xml><?xml version="1.0" encoding="utf-8"?>
-<p:sld xmlns:a="http://schemas.openxmlformats.org/drawingml/2006/main" xmlns:r="http://schemas.openxmlformats.org/officeDocument/2006/relationships" xmlns:p="http://schemas.openxmlformats.org/presentationml/2006/main" showMasterSp="1" showMasterPhAnim="1">
+<p:sld xmlns:a="http://schemas.openxmlformats.org/drawingml/2006/main" xmlns:r="http://schemas.openxmlformats.org/officeDocument/2006/relationships" xmlns:p="http://schemas.openxmlformats.org/presentationml/2006/main">
   <p:cSld>
     <p:spTree>
       <p:nvGrpSpPr>
@@ -5177,7 +5128,9 @@
       <p:sp>
         <p:nvSpPr>
           <p:cNvPr id="126" name="Shape 126"/>
-          <p:cNvSpPr/>
+          <p:cNvSpPr>
+            <a:spLocks noGrp="1"/>
+          </p:cNvSpPr>
           <p:nvPr>
             <p:ph type="title"/>
           </p:nvPr>
@@ -5200,12 +5153,16 @@
               <a:buChar char="•"/>
             </a:pPr>
             <a:r>
+              <a:rPr dirty="0" err="1"/>
               <a:t>Quickstart</a:t>
             </a:r>
-          </a:p>
-          <a:p>
-            <a:pPr marL="987777" indent="-987777" algn="l">
+            <a:endParaRPr dirty="0"/>
+          </a:p>
+          <a:p>
+            <a:pPr marL="1143000" indent="-1143000" algn="l">
               <a:buSzPct val="75000"/>
+              <a:buFont typeface="Arial" panose="020B0604020202020204" pitchFamily="34" charset="0"/>
+              <a:buChar char="•"/>
               <a:defRPr>
                 <a:solidFill>
                   <a:srgbClr val="000000">
@@ -5215,12 +5172,15 @@
               </a:defRPr>
             </a:pPr>
             <a:r>
+              <a:rPr dirty="0"/>
               <a:t>Tidying up</a:t>
             </a:r>
           </a:p>
           <a:p>
-            <a:pPr marL="987777" indent="-987777" algn="l">
+            <a:pPr marL="1143000" indent="-1143000" algn="l">
               <a:buSzPct val="75000"/>
+              <a:buFont typeface="Arial" panose="020B0604020202020204" pitchFamily="34" charset="0"/>
+              <a:buChar char="•"/>
               <a:defRPr>
                 <a:solidFill>
                   <a:srgbClr val="000000">
@@ -5230,12 +5190,15 @@
               </a:defRPr>
             </a:pPr>
             <a:r>
+              <a:rPr dirty="0"/>
               <a:t>Refactoring</a:t>
             </a:r>
           </a:p>
           <a:p>
-            <a:pPr marL="987777" indent="-987777" algn="l">
+            <a:pPr marL="1143000" indent="-1143000" algn="l">
               <a:buSzPct val="75000"/>
+              <a:buFont typeface="Arial" panose="020B0604020202020204" pitchFamily="34" charset="0"/>
+              <a:buChar char="•"/>
               <a:defRPr>
                 <a:solidFill>
                   <a:srgbClr val="000000">
@@ -5245,6 +5208,7 @@
               </a:defRPr>
             </a:pPr>
             <a:r>
+              <a:rPr dirty="0"/>
               <a:t>Simulating many users</a:t>
             </a:r>
           </a:p>
@@ -5255,12 +5219,12 @@
   <p:clrMapOvr>
     <a:masterClrMapping/>
   </p:clrMapOvr>
-  <p:transition xmlns:p14="http://schemas.microsoft.com/office/powerpoint/2010/main" spd="med" advClick="1" p14:dur="1000"/>
+  <p:transition spd="slow"/>
 </p:sld>
 </file>
 
 <file path=ppt/slides/slide4.xml><?xml version="1.0" encoding="utf-8"?>
-<p:sld xmlns:a="http://schemas.openxmlformats.org/drawingml/2006/main" xmlns:r="http://schemas.openxmlformats.org/officeDocument/2006/relationships" xmlns:p="http://schemas.openxmlformats.org/presentationml/2006/main" showMasterSp="1" showMasterPhAnim="1">
+<p:sld xmlns:a="http://schemas.openxmlformats.org/drawingml/2006/main" xmlns:r="http://schemas.openxmlformats.org/officeDocument/2006/relationships" xmlns:p="http://schemas.openxmlformats.org/presentationml/2006/main">
   <p:cSld>
     <p:spTree>
       <p:nvGrpSpPr>
@@ -5279,7 +5243,9 @@
       <p:sp>
         <p:nvSpPr>
           <p:cNvPr id="128" name="Shape 128"/>
-          <p:cNvSpPr/>
+          <p:cNvSpPr>
+            <a:spLocks noGrp="1"/>
+          </p:cNvSpPr>
           <p:nvPr>
             <p:ph type="title"/>
           </p:nvPr>
@@ -5299,7 +5265,6 @@
             </a:lvl1pPr>
           </a:lstStyle>
           <a:p>
-            <a:pPr/>
             <a:r>
               <a:t>Getting Started</a:t>
             </a:r>
@@ -5309,7 +5274,9 @@
       <p:sp>
         <p:nvSpPr>
           <p:cNvPr id="129" name="Shape 129"/>
-          <p:cNvSpPr/>
+          <p:cNvSpPr>
+            <a:spLocks noGrp="1"/>
+          </p:cNvSpPr>
           <p:nvPr>
             <p:ph type="body" idx="1"/>
           </p:nvPr>
@@ -5361,12 +5328,12 @@
   <p:clrMapOvr>
     <a:masterClrMapping/>
   </p:clrMapOvr>
-  <p:transition xmlns:p14="http://schemas.microsoft.com/office/powerpoint/2010/main" spd="med" advClick="1" p14:dur="1000"/>
+  <p:transition spd="slow"/>
 </p:sld>
 </file>
 
 <file path=ppt/slides/slide5.xml><?xml version="1.0" encoding="utf-8"?>
-<p:sld xmlns:a="http://schemas.openxmlformats.org/drawingml/2006/main" xmlns:r="http://schemas.openxmlformats.org/officeDocument/2006/relationships" xmlns:p="http://schemas.openxmlformats.org/presentationml/2006/main" showMasterSp="1" showMasterPhAnim="1">
+<p:sld xmlns:a="http://schemas.openxmlformats.org/drawingml/2006/main" xmlns:r="http://schemas.openxmlformats.org/officeDocument/2006/relationships" xmlns:p="http://schemas.openxmlformats.org/presentationml/2006/main">
   <p:cSld>
     <p:spTree>
       <p:nvGrpSpPr>
@@ -5385,7 +5352,9 @@
       <p:sp>
         <p:nvSpPr>
           <p:cNvPr id="131" name="Shape 131"/>
-          <p:cNvSpPr/>
+          <p:cNvSpPr>
+            <a:spLocks noGrp="1"/>
+          </p:cNvSpPr>
           <p:nvPr>
             <p:ph type="title"/>
           </p:nvPr>
@@ -5405,7 +5374,6 @@
             </a:lvl1pPr>
           </a:lstStyle>
           <a:p>
-            <a:pPr/>
             <a:r>
               <a:t>Getting Started</a:t>
             </a:r>
@@ -5415,7 +5383,9 @@
       <p:sp>
         <p:nvSpPr>
           <p:cNvPr id="132" name="Shape 132"/>
-          <p:cNvSpPr/>
+          <p:cNvSpPr>
+            <a:spLocks noGrp="1"/>
+          </p:cNvSpPr>
           <p:nvPr>
             <p:ph type="body" idx="1"/>
           </p:nvPr>
@@ -5528,12 +5498,12 @@
   <p:clrMapOvr>
     <a:masterClrMapping/>
   </p:clrMapOvr>
-  <p:transition xmlns:p14="http://schemas.microsoft.com/office/powerpoint/2010/main" spd="med" advClick="1" p14:dur="1000"/>
+  <p:transition spd="slow"/>
 </p:sld>
 </file>
 
 <file path=ppt/slides/slide6.xml><?xml version="1.0" encoding="utf-8"?>
-<p:sld xmlns:a="http://schemas.openxmlformats.org/drawingml/2006/main" xmlns:r="http://schemas.openxmlformats.org/officeDocument/2006/relationships" xmlns:p="http://schemas.openxmlformats.org/presentationml/2006/main" showMasterSp="1" showMasterPhAnim="1">
+<p:sld xmlns:a="http://schemas.openxmlformats.org/drawingml/2006/main" xmlns:r="http://schemas.openxmlformats.org/officeDocument/2006/relationships" xmlns:p="http://schemas.openxmlformats.org/presentationml/2006/main">
   <p:cSld>
     <p:spTree>
       <p:nvGrpSpPr>
@@ -5552,7 +5522,9 @@
       <p:sp>
         <p:nvSpPr>
           <p:cNvPr id="135" name="Shape 135"/>
-          <p:cNvSpPr/>
+          <p:cNvSpPr>
+            <a:spLocks noGrp="1"/>
+          </p:cNvSpPr>
           <p:nvPr>
             <p:ph type="title"/>
           </p:nvPr>
@@ -5572,7 +5544,6 @@
             </a:lvl1pPr>
           </a:lstStyle>
           <a:p>
-            <a:pPr/>
             <a:r>
               <a:t>Getting Started</a:t>
             </a:r>
@@ -5582,7 +5553,9 @@
       <p:sp>
         <p:nvSpPr>
           <p:cNvPr id="136" name="Shape 136"/>
-          <p:cNvSpPr/>
+          <p:cNvSpPr>
+            <a:spLocks noGrp="1"/>
+          </p:cNvSpPr>
           <p:nvPr>
             <p:ph type="body" idx="1"/>
           </p:nvPr>
@@ -5740,12 +5713,12 @@
   <p:clrMapOvr>
     <a:masterClrMapping/>
   </p:clrMapOvr>
-  <p:transition xmlns:p14="http://schemas.microsoft.com/office/powerpoint/2010/main" spd="med" advClick="1" p14:dur="1000"/>
+  <p:transition spd="slow"/>
 </p:sld>
 </file>
 
 <file path=ppt/slides/slide7.xml><?xml version="1.0" encoding="utf-8"?>
-<p:sld xmlns:a="http://schemas.openxmlformats.org/drawingml/2006/main" xmlns:r="http://schemas.openxmlformats.org/officeDocument/2006/relationships" xmlns:p="http://schemas.openxmlformats.org/presentationml/2006/main" showMasterSp="1" showMasterPhAnim="1">
+<p:sld xmlns:a="http://schemas.openxmlformats.org/drawingml/2006/main" xmlns:r="http://schemas.openxmlformats.org/officeDocument/2006/relationships" xmlns:p="http://schemas.openxmlformats.org/presentationml/2006/main">
   <p:cSld>
     <p:spTree>
       <p:nvGrpSpPr>
@@ -5764,7 +5737,9 @@
       <p:sp>
         <p:nvSpPr>
           <p:cNvPr id="140" name="Shape 140"/>
-          <p:cNvSpPr/>
+          <p:cNvSpPr>
+            <a:spLocks noGrp="1"/>
+          </p:cNvSpPr>
           <p:nvPr>
             <p:ph type="title"/>
           </p:nvPr>
@@ -5784,7 +5759,6 @@
             </a:lvl1pPr>
           </a:lstStyle>
           <a:p>
-            <a:pPr/>
             <a:r>
               <a:t>Getting Started</a:t>
             </a:r>
@@ -5794,7 +5768,9 @@
       <p:sp>
         <p:nvSpPr>
           <p:cNvPr id="141" name="Shape 141"/>
-          <p:cNvSpPr/>
+          <p:cNvSpPr>
+            <a:spLocks noGrp="1"/>
+          </p:cNvSpPr>
           <p:nvPr>
             <p:ph type="body" idx="1"/>
           </p:nvPr>
@@ -5952,12 +5928,12 @@
   <p:clrMapOvr>
     <a:masterClrMapping/>
   </p:clrMapOvr>
-  <p:transition xmlns:p14="http://schemas.microsoft.com/office/powerpoint/2010/main" spd="med" advClick="1" p14:dur="1000"/>
+  <p:transition spd="slow"/>
 </p:sld>
 </file>
 
 <file path=ppt/slides/slide8.xml><?xml version="1.0" encoding="utf-8"?>
-<p:sld xmlns:a="http://schemas.openxmlformats.org/drawingml/2006/main" xmlns:r="http://schemas.openxmlformats.org/officeDocument/2006/relationships" xmlns:p="http://schemas.openxmlformats.org/presentationml/2006/main" showMasterSp="1" showMasterPhAnim="1">
+<p:sld xmlns:a="http://schemas.openxmlformats.org/drawingml/2006/main" xmlns:r="http://schemas.openxmlformats.org/officeDocument/2006/relationships" xmlns:p="http://schemas.openxmlformats.org/presentationml/2006/main">
   <p:cSld>
     <p:spTree>
       <p:nvGrpSpPr>
@@ -5976,7 +5952,9 @@
       <p:sp>
         <p:nvSpPr>
           <p:cNvPr id="145" name="Shape 145"/>
-          <p:cNvSpPr/>
+          <p:cNvSpPr>
+            <a:spLocks noGrp="1"/>
+          </p:cNvSpPr>
           <p:nvPr>
             <p:ph type="title"/>
           </p:nvPr>
@@ -5996,7 +5974,6 @@
             </a:lvl1pPr>
           </a:lstStyle>
           <a:p>
-            <a:pPr/>
             <a:r>
               <a:t>Getting Started</a:t>
             </a:r>
@@ -6006,7 +5983,9 @@
       <p:sp>
         <p:nvSpPr>
           <p:cNvPr id="146" name="Shape 146"/>
-          <p:cNvSpPr/>
+          <p:cNvSpPr>
+            <a:spLocks noGrp="1"/>
+          </p:cNvSpPr>
           <p:nvPr>
             <p:ph type="body" idx="1"/>
           </p:nvPr>
@@ -6229,12 +6208,12 @@
   <p:clrMapOvr>
     <a:masterClrMapping/>
   </p:clrMapOvr>
-  <p:transition xmlns:p14="http://schemas.microsoft.com/office/powerpoint/2010/main" spd="med" advClick="1" p14:dur="1000"/>
+  <p:transition spd="slow"/>
 </p:sld>
 </file>
 
 <file path=ppt/slides/slide9.xml><?xml version="1.0" encoding="utf-8"?>
-<p:sld xmlns:a="http://schemas.openxmlformats.org/drawingml/2006/main" xmlns:r="http://schemas.openxmlformats.org/officeDocument/2006/relationships" xmlns:p="http://schemas.openxmlformats.org/presentationml/2006/main" showMasterSp="1" showMasterPhAnim="1">
+<p:sld xmlns:a="http://schemas.openxmlformats.org/drawingml/2006/main" xmlns:r="http://schemas.openxmlformats.org/officeDocument/2006/relationships" xmlns:p="http://schemas.openxmlformats.org/presentationml/2006/main">
   <p:cSld>
     <p:spTree>
       <p:nvGrpSpPr>
@@ -6253,7 +6232,9 @@
       <p:sp>
         <p:nvSpPr>
           <p:cNvPr id="151" name="Shape 151"/>
-          <p:cNvSpPr/>
+          <p:cNvSpPr>
+            <a:spLocks noGrp="1"/>
+          </p:cNvSpPr>
           <p:nvPr>
             <p:ph type="title"/>
           </p:nvPr>
@@ -6273,7 +6254,6 @@
             </a:lvl1pPr>
           </a:lstStyle>
           <a:p>
-            <a:pPr/>
             <a:r>
               <a:t>Getting Started</a:t>
             </a:r>
@@ -6283,7 +6263,9 @@
       <p:sp>
         <p:nvSpPr>
           <p:cNvPr id="152" name="Shape 152"/>
-          <p:cNvSpPr/>
+          <p:cNvSpPr>
+            <a:spLocks noGrp="1"/>
+          </p:cNvSpPr>
           <p:nvPr>
             <p:ph type="body" idx="1"/>
           </p:nvPr>
@@ -6555,12 +6537,12 @@
   <p:clrMapOvr>
     <a:masterClrMapping/>
   </p:clrMapOvr>
-  <p:transition xmlns:p14="http://schemas.microsoft.com/office/powerpoint/2010/main" spd="med" advClick="1" p14:dur="1000"/>
+  <p:transition spd="slow"/>
 </p:sld>
 </file>
 
 <file path=ppt/theme/theme1.xml><?xml version="1.0" encoding="utf-8"?>
-<a:theme xmlns:a="http://schemas.openxmlformats.org/drawingml/2006/main" xmlns:r="http://schemas.openxmlformats.org/officeDocument/2006/relationships" name="White">
+<a:theme xmlns:a="http://schemas.openxmlformats.org/drawingml/2006/main" name="White">
   <a:themeElements>
     <a:clrScheme name="White">
       <a:dk1>
@@ -6686,7 +6668,7 @@
       <a:effectStyleLst>
         <a:effectStyle>
           <a:effectLst>
-            <a:outerShdw sx="100000" sy="100000" kx="0" ky="0" algn="b" rotWithShape="0" blurRad="38100" dist="25400" dir="5400000">
+            <a:outerShdw blurRad="38100" dist="25400" dir="5400000" rotWithShape="0">
               <a:srgbClr val="000000">
                 <a:alpha val="50000"/>
               </a:srgbClr>
@@ -6695,7 +6677,7 @@
         </a:effectStyle>
         <a:effectStyle>
           <a:effectLst>
-            <a:outerShdw sx="100000" sy="100000" kx="0" ky="0" algn="b" rotWithShape="0" blurRad="50800" dist="12700" dir="0">
+            <a:outerShdw blurRad="50800" dist="12700" rotWithShape="0">
               <a:srgbClr val="000000">
                 <a:alpha val="50000"/>
               </a:srgbClr>
@@ -6704,7 +6686,7 @@
         </a:effectStyle>
         <a:effectStyle>
           <a:effectLst>
-            <a:outerShdw sx="100000" sy="100000" kx="0" ky="0" algn="b" rotWithShape="0" blurRad="38100" dist="25400" dir="5400000">
+            <a:outerShdw blurRad="38100" dist="25400" dir="5400000" rotWithShape="0">
               <a:srgbClr val="000000">
                 <a:alpha val="50000"/>
               </a:srgbClr>
@@ -6768,8 +6750,8 @@
     <a:spDef>
       <a:spPr>
         <a:blipFill rotWithShape="1">
-          <a:blip r:embed="rId1"/>
-          <a:srcRect l="0" t="0" r="0" b="0"/>
+          <a:blip xmlns:r="http://schemas.openxmlformats.org/officeDocument/2006/relationships" r:embed="rId1"/>
+          <a:srcRect/>
           <a:tile tx="0" ty="0" sx="100000" sy="100000" flip="none" algn="tl"/>
         </a:blipFill>
         <a:ln w="12700" cap="flat">
@@ -6777,7 +6759,7 @@
           <a:miter lim="400000"/>
         </a:ln>
         <a:effectLst>
-          <a:outerShdw sx="100000" sy="100000" kx="0" ky="0" algn="b" rotWithShape="0" blurRad="38100" dist="25400" dir="5400000">
+          <a:outerShdw blurRad="38100" dist="25400" dir="5400000" rotWithShape="0">
             <a:srgbClr val="000000">
               <a:alpha val="50000"/>
             </a:srgbClr>
@@ -6785,7 +6767,7 @@
         </a:effectLst>
         <a:sp3d/>
       </a:spPr>
-      <a:bodyPr rot="0" spcFirstLastPara="1" vertOverflow="overflow" horzOverflow="overflow" vert="horz" wrap="square" lIns="50800" tIns="50800" rIns="50800" bIns="50800" numCol="1" spcCol="38100" rtlCol="0" anchor="ctr" upright="0">
+      <a:bodyPr rot="0" spcFirstLastPara="1" vertOverflow="overflow" horzOverflow="overflow" vert="horz" wrap="square" lIns="50800" tIns="50800" rIns="50800" bIns="50800" numCol="1" spcCol="38100" rtlCol="0" anchor="ctr">
         <a:spAutoFit/>
       </a:bodyPr>
       <a:lstStyle>
@@ -6804,7 +6786,7 @@
           <a:buFontTx/>
           <a:buNone/>
           <a:tabLst/>
-          <a:defRPr b="0" baseline="0" cap="none" i="0" spc="0" strike="noStrike" sz="2400" u="none" kumimoji="0" normalizeH="0">
+          <a:defRPr kumimoji="0" sz="2400" b="0" i="0" u="none" strike="noStrike" cap="none" spc="0" normalizeH="0" baseline="0">
             <a:ln>
               <a:noFill/>
             </a:ln>
@@ -6834,7 +6816,7 @@
           <a:buFontTx/>
           <a:buNone/>
           <a:tabLst/>
-          <a:defRPr b="0" baseline="0" cap="none" i="0" spc="0" strike="noStrike" sz="1800" u="none" kumimoji="0" normalizeH="0">
+          <a:defRPr kumimoji="0" sz="1800" b="0" i="0" u="none" strike="noStrike" cap="none" spc="0" normalizeH="0" baseline="0">
             <a:ln>
               <a:noFill/>
             </a:ln>
@@ -6860,7 +6842,7 @@
           <a:buFontTx/>
           <a:buNone/>
           <a:tabLst/>
-          <a:defRPr b="0" baseline="0" cap="none" i="0" spc="0" strike="noStrike" sz="1800" u="none" kumimoji="0" normalizeH="0">
+          <a:defRPr kumimoji="0" sz="1800" b="0" i="0" u="none" strike="noStrike" cap="none" spc="0" normalizeH="0" baseline="0">
             <a:ln>
               <a:noFill/>
             </a:ln>
@@ -6886,7 +6868,7 @@
           <a:buFontTx/>
           <a:buNone/>
           <a:tabLst/>
-          <a:defRPr b="0" baseline="0" cap="none" i="0" spc="0" strike="noStrike" sz="1800" u="none" kumimoji="0" normalizeH="0">
+          <a:defRPr kumimoji="0" sz="1800" b="0" i="0" u="none" strike="noStrike" cap="none" spc="0" normalizeH="0" baseline="0">
             <a:ln>
               <a:noFill/>
             </a:ln>
@@ -6912,7 +6894,7 @@
           <a:buFontTx/>
           <a:buNone/>
           <a:tabLst/>
-          <a:defRPr b="0" baseline="0" cap="none" i="0" spc="0" strike="noStrike" sz="1800" u="none" kumimoji="0" normalizeH="0">
+          <a:defRPr kumimoji="0" sz="1800" b="0" i="0" u="none" strike="noStrike" cap="none" spc="0" normalizeH="0" baseline="0">
             <a:ln>
               <a:noFill/>
             </a:ln>
@@ -6938,7 +6920,7 @@
           <a:buFontTx/>
           <a:buNone/>
           <a:tabLst/>
-          <a:defRPr b="0" baseline="0" cap="none" i="0" spc="0" strike="noStrike" sz="1800" u="none" kumimoji="0" normalizeH="0">
+          <a:defRPr kumimoji="0" sz="1800" b="0" i="0" u="none" strike="noStrike" cap="none" spc="0" normalizeH="0" baseline="0">
             <a:ln>
               <a:noFill/>
             </a:ln>
@@ -6964,7 +6946,7 @@
           <a:buFontTx/>
           <a:buNone/>
           <a:tabLst/>
-          <a:defRPr b="0" baseline="0" cap="none" i="0" spc="0" strike="noStrike" sz="1800" u="none" kumimoji="0" normalizeH="0">
+          <a:defRPr kumimoji="0" sz="1800" b="0" i="0" u="none" strike="noStrike" cap="none" spc="0" normalizeH="0" baseline="0">
             <a:ln>
               <a:noFill/>
             </a:ln>
@@ -6990,7 +6972,7 @@
           <a:buFontTx/>
           <a:buNone/>
           <a:tabLst/>
-          <a:defRPr b="0" baseline="0" cap="none" i="0" spc="0" strike="noStrike" sz="1800" u="none" kumimoji="0" normalizeH="0">
+          <a:defRPr kumimoji="0" sz="1800" b="0" i="0" u="none" strike="noStrike" cap="none" spc="0" normalizeH="0" baseline="0">
             <a:ln>
               <a:noFill/>
             </a:ln>
@@ -7016,7 +6998,7 @@
           <a:buFontTx/>
           <a:buNone/>
           <a:tabLst/>
-          <a:defRPr b="0" baseline="0" cap="none" i="0" spc="0" strike="noStrike" sz="1800" u="none" kumimoji="0" normalizeH="0">
+          <a:defRPr kumimoji="0" sz="1800" b="0" i="0" u="none" strike="noStrike" cap="none" spc="0" normalizeH="0" baseline="0">
             <a:ln>
               <a:noFill/>
             </a:ln>
@@ -7042,7 +7024,7 @@
           <a:buFontTx/>
           <a:buNone/>
           <a:tabLst/>
-          <a:defRPr b="0" baseline="0" cap="none" i="0" spc="0" strike="noStrike" sz="1800" u="none" kumimoji="0" normalizeH="0">
+          <a:defRPr kumimoji="0" sz="1800" b="0" i="0" u="none" strike="noStrike" cap="none" spc="0" normalizeH="0" baseline="0">
             <a:ln>
               <a:noFill/>
             </a:ln>
@@ -7055,9 +7037,15 @@
         </a:lvl9pPr>
       </a:lstStyle>
       <a:style>
-        <a:lnRef idx="0"/>
-        <a:fillRef idx="0"/>
-        <a:effectRef idx="0"/>
+        <a:lnRef idx="0">
+          <a:scrgbClr r="0" g="0" b="0"/>
+        </a:lnRef>
+        <a:fillRef idx="0">
+          <a:scrgbClr r="0" g="0" b="0"/>
+        </a:fillRef>
+        <a:effectRef idx="0">
+          <a:scrgbClr r="0" g="0" b="0"/>
+        </a:effectRef>
         <a:fontRef idx="none"/>
       </a:style>
     </a:spDef>
@@ -7074,7 +7062,7 @@
         <a:effectLst/>
         <a:sp3d/>
       </a:spPr>
-      <a:bodyPr rot="0" spcFirstLastPara="1" vertOverflow="overflow" horzOverflow="overflow" vert="horz" wrap="square" lIns="91439" tIns="45719" rIns="91439" bIns="45719" numCol="1" spcCol="38100" rtlCol="0" anchor="t" upright="0">
+      <a:bodyPr rot="0" spcFirstLastPara="1" vertOverflow="overflow" horzOverflow="overflow" vert="horz" wrap="square" lIns="91439" tIns="45719" rIns="91439" bIns="45719" numCol="1" spcCol="38100" rtlCol="0" anchor="t">
         <a:noAutofit/>
       </a:bodyPr>
       <a:lstStyle>
@@ -7093,7 +7081,7 @@
           <a:buFontTx/>
           <a:buNone/>
           <a:tabLst/>
-          <a:defRPr b="0" baseline="0" cap="none" i="0" spc="0" strike="noStrike" sz="1800" u="none" kumimoji="0" normalizeH="0">
+          <a:defRPr kumimoji="0" sz="1800" b="0" i="0" u="none" strike="noStrike" cap="none" spc="0" normalizeH="0" baseline="0">
             <a:ln>
               <a:noFill/>
             </a:ln>
@@ -7119,7 +7107,7 @@
           <a:buFontTx/>
           <a:buNone/>
           <a:tabLst/>
-          <a:defRPr b="0" baseline="0" cap="none" i="0" spc="0" strike="noStrike" sz="1800" u="none" kumimoji="0" normalizeH="0">
+          <a:defRPr kumimoji="0" sz="1800" b="0" i="0" u="none" strike="noStrike" cap="none" spc="0" normalizeH="0" baseline="0">
             <a:ln>
               <a:noFill/>
             </a:ln>
@@ -7145,7 +7133,7 @@
           <a:buFontTx/>
           <a:buNone/>
           <a:tabLst/>
-          <a:defRPr b="0" baseline="0" cap="none" i="0" spc="0" strike="noStrike" sz="1800" u="none" kumimoji="0" normalizeH="0">
+          <a:defRPr kumimoji="0" sz="1800" b="0" i="0" u="none" strike="noStrike" cap="none" spc="0" normalizeH="0" baseline="0">
             <a:ln>
               <a:noFill/>
             </a:ln>
@@ -7171,7 +7159,7 @@
           <a:buFontTx/>
           <a:buNone/>
           <a:tabLst/>
-          <a:defRPr b="0" baseline="0" cap="none" i="0" spc="0" strike="noStrike" sz="1800" u="none" kumimoji="0" normalizeH="0">
+          <a:defRPr kumimoji="0" sz="1800" b="0" i="0" u="none" strike="noStrike" cap="none" spc="0" normalizeH="0" baseline="0">
             <a:ln>
               <a:noFill/>
             </a:ln>
@@ -7197,7 +7185,7 @@
           <a:buFontTx/>
           <a:buNone/>
           <a:tabLst/>
-          <a:defRPr b="0" baseline="0" cap="none" i="0" spc="0" strike="noStrike" sz="1800" u="none" kumimoji="0" normalizeH="0">
+          <a:defRPr kumimoji="0" sz="1800" b="0" i="0" u="none" strike="noStrike" cap="none" spc="0" normalizeH="0" baseline="0">
             <a:ln>
               <a:noFill/>
             </a:ln>
@@ -7223,7 +7211,7 @@
           <a:buFontTx/>
           <a:buNone/>
           <a:tabLst/>
-          <a:defRPr b="0" baseline="0" cap="none" i="0" spc="0" strike="noStrike" sz="1800" u="none" kumimoji="0" normalizeH="0">
+          <a:defRPr kumimoji="0" sz="1800" b="0" i="0" u="none" strike="noStrike" cap="none" spc="0" normalizeH="0" baseline="0">
             <a:ln>
               <a:noFill/>
             </a:ln>
@@ -7249,7 +7237,7 @@
           <a:buFontTx/>
           <a:buNone/>
           <a:tabLst/>
-          <a:defRPr b="0" baseline="0" cap="none" i="0" spc="0" strike="noStrike" sz="1800" u="none" kumimoji="0" normalizeH="0">
+          <a:defRPr kumimoji="0" sz="1800" b="0" i="0" u="none" strike="noStrike" cap="none" spc="0" normalizeH="0" baseline="0">
             <a:ln>
               <a:noFill/>
             </a:ln>
@@ -7275,7 +7263,7 @@
           <a:buFontTx/>
           <a:buNone/>
           <a:tabLst/>
-          <a:defRPr b="0" baseline="0" cap="none" i="0" spc="0" strike="noStrike" sz="1800" u="none" kumimoji="0" normalizeH="0">
+          <a:defRPr kumimoji="0" sz="1800" b="0" i="0" u="none" strike="noStrike" cap="none" spc="0" normalizeH="0" baseline="0">
             <a:ln>
               <a:noFill/>
             </a:ln>
@@ -7301,7 +7289,7 @@
           <a:buFontTx/>
           <a:buNone/>
           <a:tabLst/>
-          <a:defRPr b="0" baseline="0" cap="none" i="0" spc="0" strike="noStrike" sz="1800" u="none" kumimoji="0" normalizeH="0">
+          <a:defRPr kumimoji="0" sz="1800" b="0" i="0" u="none" strike="noStrike" cap="none" spc="0" normalizeH="0" baseline="0">
             <a:ln>
               <a:noFill/>
             </a:ln>
@@ -7327,7 +7315,7 @@
           <a:buFontTx/>
           <a:buNone/>
           <a:tabLst/>
-          <a:defRPr b="0" baseline="0" cap="none" i="0" spc="0" strike="noStrike" sz="1800" u="none" kumimoji="0" normalizeH="0">
+          <a:defRPr kumimoji="0" sz="1800" b="0" i="0" u="none" strike="noStrike" cap="none" spc="0" normalizeH="0" baseline="0">
             <a:ln>
               <a:noFill/>
             </a:ln>
@@ -7340,9 +7328,15 @@
         </a:lvl9pPr>
       </a:lstStyle>
       <a:style>
-        <a:lnRef idx="0"/>
-        <a:fillRef idx="0"/>
-        <a:effectRef idx="0"/>
+        <a:lnRef idx="0">
+          <a:scrgbClr r="0" g="0" b="0"/>
+        </a:lnRef>
+        <a:fillRef idx="0">
+          <a:scrgbClr r="0" g="0" b="0"/>
+        </a:fillRef>
+        <a:effectRef idx="0">
+          <a:scrgbClr r="0" g="0" b="0"/>
+        </a:effectRef>
         <a:fontRef idx="none"/>
       </a:style>
     </a:lnDef>
@@ -7356,7 +7350,7 @@
         <a:effectLst/>
         <a:sp3d/>
       </a:spPr>
-      <a:bodyPr rot="0" spcFirstLastPara="1" vertOverflow="overflow" horzOverflow="overflow" vert="horz" wrap="square" lIns="50800" tIns="50800" rIns="50800" bIns="50800" numCol="1" spcCol="38100" rtlCol="0" anchor="ctr" upright="0">
+      <a:bodyPr rot="0" spcFirstLastPara="1" vertOverflow="overflow" horzOverflow="overflow" vert="horz" wrap="square" lIns="50800" tIns="50800" rIns="50800" bIns="50800" numCol="1" spcCol="38100" rtlCol="0" anchor="ctr">
         <a:spAutoFit/>
       </a:bodyPr>
       <a:lstStyle>
@@ -7375,7 +7369,7 @@
           <a:buFontTx/>
           <a:buNone/>
           <a:tabLst/>
-          <a:defRPr b="0" baseline="0" cap="none" i="0" spc="0" strike="noStrike" sz="3600" u="none" kumimoji="0" normalizeH="0">
+          <a:defRPr kumimoji="0" sz="3600" b="0" i="0" u="none" strike="noStrike" cap="none" spc="0" normalizeH="0" baseline="0">
             <a:ln>
               <a:noFill/>
             </a:ln>
@@ -7405,7 +7399,7 @@
           <a:buFontTx/>
           <a:buNone/>
           <a:tabLst/>
-          <a:defRPr b="0" baseline="0" cap="none" i="0" spc="0" strike="noStrike" sz="1800" u="none" kumimoji="0" normalizeH="0">
+          <a:defRPr kumimoji="0" sz="1800" b="0" i="0" u="none" strike="noStrike" cap="none" spc="0" normalizeH="0" baseline="0">
             <a:ln>
               <a:noFill/>
             </a:ln>
@@ -7431,7 +7425,7 @@
           <a:buFontTx/>
           <a:buNone/>
           <a:tabLst/>
-          <a:defRPr b="0" baseline="0" cap="none" i="0" spc="0" strike="noStrike" sz="1800" u="none" kumimoji="0" normalizeH="0">
+          <a:defRPr kumimoji="0" sz="1800" b="0" i="0" u="none" strike="noStrike" cap="none" spc="0" normalizeH="0" baseline="0">
             <a:ln>
               <a:noFill/>
             </a:ln>
@@ -7457,7 +7451,7 @@
           <a:buFontTx/>
           <a:buNone/>
           <a:tabLst/>
-          <a:defRPr b="0" baseline="0" cap="none" i="0" spc="0" strike="noStrike" sz="1800" u="none" kumimoji="0" normalizeH="0">
+          <a:defRPr kumimoji="0" sz="1800" b="0" i="0" u="none" strike="noStrike" cap="none" spc="0" normalizeH="0" baseline="0">
             <a:ln>
               <a:noFill/>
             </a:ln>
@@ -7483,7 +7477,7 @@
           <a:buFontTx/>
           <a:buNone/>
           <a:tabLst/>
-          <a:defRPr b="0" baseline="0" cap="none" i="0" spc="0" strike="noStrike" sz="1800" u="none" kumimoji="0" normalizeH="0">
+          <a:defRPr kumimoji="0" sz="1800" b="0" i="0" u="none" strike="noStrike" cap="none" spc="0" normalizeH="0" baseline="0">
             <a:ln>
               <a:noFill/>
             </a:ln>
@@ -7509,7 +7503,7 @@
           <a:buFontTx/>
           <a:buNone/>
           <a:tabLst/>
-          <a:defRPr b="0" baseline="0" cap="none" i="0" spc="0" strike="noStrike" sz="1800" u="none" kumimoji="0" normalizeH="0">
+          <a:defRPr kumimoji="0" sz="1800" b="0" i="0" u="none" strike="noStrike" cap="none" spc="0" normalizeH="0" baseline="0">
             <a:ln>
               <a:noFill/>
             </a:ln>
@@ -7535,7 +7529,7 @@
           <a:buFontTx/>
           <a:buNone/>
           <a:tabLst/>
-          <a:defRPr b="0" baseline="0" cap="none" i="0" spc="0" strike="noStrike" sz="1800" u="none" kumimoji="0" normalizeH="0">
+          <a:defRPr kumimoji="0" sz="1800" b="0" i="0" u="none" strike="noStrike" cap="none" spc="0" normalizeH="0" baseline="0">
             <a:ln>
               <a:noFill/>
             </a:ln>
@@ -7561,7 +7555,7 @@
           <a:buFontTx/>
           <a:buNone/>
           <a:tabLst/>
-          <a:defRPr b="0" baseline="0" cap="none" i="0" spc="0" strike="noStrike" sz="1800" u="none" kumimoji="0" normalizeH="0">
+          <a:defRPr kumimoji="0" sz="1800" b="0" i="0" u="none" strike="noStrike" cap="none" spc="0" normalizeH="0" baseline="0">
             <a:ln>
               <a:noFill/>
             </a:ln>
@@ -7587,7 +7581,7 @@
           <a:buFontTx/>
           <a:buNone/>
           <a:tabLst/>
-          <a:defRPr b="0" baseline="0" cap="none" i="0" spc="0" strike="noStrike" sz="1800" u="none" kumimoji="0" normalizeH="0">
+          <a:defRPr kumimoji="0" sz="1800" b="0" i="0" u="none" strike="noStrike" cap="none" spc="0" normalizeH="0" baseline="0">
             <a:ln>
               <a:noFill/>
             </a:ln>
@@ -7613,7 +7607,7 @@
           <a:buFontTx/>
           <a:buNone/>
           <a:tabLst/>
-          <a:defRPr b="0" baseline="0" cap="none" i="0" spc="0" strike="noStrike" sz="1800" u="none" kumimoji="0" normalizeH="0">
+          <a:defRPr kumimoji="0" sz="1800" b="0" i="0" u="none" strike="noStrike" cap="none" spc="0" normalizeH="0" baseline="0">
             <a:ln>
               <a:noFill/>
             </a:ln>
@@ -7626,18 +7620,25 @@
         </a:lvl9pPr>
       </a:lstStyle>
       <a:style>
-        <a:lnRef idx="0"/>
-        <a:fillRef idx="0"/>
-        <a:effectRef idx="0"/>
+        <a:lnRef idx="0">
+          <a:scrgbClr r="0" g="0" b="0"/>
+        </a:lnRef>
+        <a:fillRef idx="0">
+          <a:scrgbClr r="0" g="0" b="0"/>
+        </a:fillRef>
+        <a:effectRef idx="0">
+          <a:scrgbClr r="0" g="0" b="0"/>
+        </a:effectRef>
         <a:fontRef idx="none"/>
       </a:style>
     </a:txDef>
   </a:objectDefaults>
+  <a:extraClrSchemeLst/>
 </a:theme>
 </file>
 
 <file path=ppt/theme/theme2.xml><?xml version="1.0" encoding="utf-8"?>
-<a:theme xmlns:a="http://schemas.openxmlformats.org/drawingml/2006/main" xmlns:r="http://schemas.openxmlformats.org/officeDocument/2006/relationships" name="White">
+<a:theme xmlns:a="http://schemas.openxmlformats.org/drawingml/2006/main" name="White">
   <a:themeElements>
     <a:clrScheme name="White">
       <a:dk1>
@@ -7763,7 +7764,7 @@
       <a:effectStyleLst>
         <a:effectStyle>
           <a:effectLst>
-            <a:outerShdw sx="100000" sy="100000" kx="0" ky="0" algn="b" rotWithShape="0" blurRad="38100" dist="25400" dir="5400000">
+            <a:outerShdw blurRad="38100" dist="25400" dir="5400000" rotWithShape="0">
               <a:srgbClr val="000000">
                 <a:alpha val="50000"/>
               </a:srgbClr>
@@ -7772,7 +7773,7 @@
         </a:effectStyle>
         <a:effectStyle>
           <a:effectLst>
-            <a:outerShdw sx="100000" sy="100000" kx="0" ky="0" algn="b" rotWithShape="0" blurRad="50800" dist="12700" dir="0">
+            <a:outerShdw blurRad="50800" dist="12700" rotWithShape="0">
               <a:srgbClr val="000000">
                 <a:alpha val="50000"/>
               </a:srgbClr>
@@ -7781,7 +7782,7 @@
         </a:effectStyle>
         <a:effectStyle>
           <a:effectLst>
-            <a:outerShdw sx="100000" sy="100000" kx="0" ky="0" algn="b" rotWithShape="0" blurRad="38100" dist="25400" dir="5400000">
+            <a:outerShdw blurRad="38100" dist="25400" dir="5400000" rotWithShape="0">
               <a:srgbClr val="000000">
                 <a:alpha val="50000"/>
               </a:srgbClr>
@@ -7845,8 +7846,8 @@
     <a:spDef>
       <a:spPr>
         <a:blipFill rotWithShape="1">
-          <a:blip r:embed="rId1"/>
-          <a:srcRect l="0" t="0" r="0" b="0"/>
+          <a:blip xmlns:r="http://schemas.openxmlformats.org/officeDocument/2006/relationships" r:embed="rId1"/>
+          <a:srcRect/>
           <a:tile tx="0" ty="0" sx="100000" sy="100000" flip="none" algn="tl"/>
         </a:blipFill>
         <a:ln w="12700" cap="flat">
@@ -7854,7 +7855,7 @@
           <a:miter lim="400000"/>
         </a:ln>
         <a:effectLst>
-          <a:outerShdw sx="100000" sy="100000" kx="0" ky="0" algn="b" rotWithShape="0" blurRad="38100" dist="25400" dir="5400000">
+          <a:outerShdw blurRad="38100" dist="25400" dir="5400000" rotWithShape="0">
             <a:srgbClr val="000000">
               <a:alpha val="50000"/>
             </a:srgbClr>
@@ -7862,7 +7863,7 @@
         </a:effectLst>
         <a:sp3d/>
       </a:spPr>
-      <a:bodyPr rot="0" spcFirstLastPara="1" vertOverflow="overflow" horzOverflow="overflow" vert="horz" wrap="square" lIns="50800" tIns="50800" rIns="50800" bIns="50800" numCol="1" spcCol="38100" rtlCol="0" anchor="ctr" upright="0">
+      <a:bodyPr rot="0" spcFirstLastPara="1" vertOverflow="overflow" horzOverflow="overflow" vert="horz" wrap="square" lIns="50800" tIns="50800" rIns="50800" bIns="50800" numCol="1" spcCol="38100" rtlCol="0" anchor="ctr">
         <a:spAutoFit/>
       </a:bodyPr>
       <a:lstStyle>
@@ -7881,7 +7882,7 @@
           <a:buFontTx/>
           <a:buNone/>
           <a:tabLst/>
-          <a:defRPr b="0" baseline="0" cap="none" i="0" spc="0" strike="noStrike" sz="2400" u="none" kumimoji="0" normalizeH="0">
+          <a:defRPr kumimoji="0" sz="2400" b="0" i="0" u="none" strike="noStrike" cap="none" spc="0" normalizeH="0" baseline="0">
             <a:ln>
               <a:noFill/>
             </a:ln>
@@ -7911,7 +7912,7 @@
           <a:buFontTx/>
           <a:buNone/>
           <a:tabLst/>
-          <a:defRPr b="0" baseline="0" cap="none" i="0" spc="0" strike="noStrike" sz="1800" u="none" kumimoji="0" normalizeH="0">
+          <a:defRPr kumimoji="0" sz="1800" b="0" i="0" u="none" strike="noStrike" cap="none" spc="0" normalizeH="0" baseline="0">
             <a:ln>
               <a:noFill/>
             </a:ln>
@@ -7937,7 +7938,7 @@
           <a:buFontTx/>
           <a:buNone/>
           <a:tabLst/>
-          <a:defRPr b="0" baseline="0" cap="none" i="0" spc="0" strike="noStrike" sz="1800" u="none" kumimoji="0" normalizeH="0">
+          <a:defRPr kumimoji="0" sz="1800" b="0" i="0" u="none" strike="noStrike" cap="none" spc="0" normalizeH="0" baseline="0">
             <a:ln>
               <a:noFill/>
             </a:ln>
@@ -7963,7 +7964,7 @@
           <a:buFontTx/>
           <a:buNone/>
           <a:tabLst/>
-          <a:defRPr b="0" baseline="0" cap="none" i="0" spc="0" strike="noStrike" sz="1800" u="none" kumimoji="0" normalizeH="0">
+          <a:defRPr kumimoji="0" sz="1800" b="0" i="0" u="none" strike="noStrike" cap="none" spc="0" normalizeH="0" baseline="0">
             <a:ln>
               <a:noFill/>
             </a:ln>
@@ -7989,7 +7990,7 @@
           <a:buFontTx/>
           <a:buNone/>
           <a:tabLst/>
-          <a:defRPr b="0" baseline="0" cap="none" i="0" spc="0" strike="noStrike" sz="1800" u="none" kumimoji="0" normalizeH="0">
+          <a:defRPr kumimoji="0" sz="1800" b="0" i="0" u="none" strike="noStrike" cap="none" spc="0" normalizeH="0" baseline="0">
             <a:ln>
               <a:noFill/>
             </a:ln>
@@ -8015,7 +8016,7 @@
           <a:buFontTx/>
           <a:buNone/>
           <a:tabLst/>
-          <a:defRPr b="0" baseline="0" cap="none" i="0" spc="0" strike="noStrike" sz="1800" u="none" kumimoji="0" normalizeH="0">
+          <a:defRPr kumimoji="0" sz="1800" b="0" i="0" u="none" strike="noStrike" cap="none" spc="0" normalizeH="0" baseline="0">
             <a:ln>
               <a:noFill/>
             </a:ln>
@@ -8041,7 +8042,7 @@
           <a:buFontTx/>
           <a:buNone/>
           <a:tabLst/>
-          <a:defRPr b="0" baseline="0" cap="none" i="0" spc="0" strike="noStrike" sz="1800" u="none" kumimoji="0" normalizeH="0">
+          <a:defRPr kumimoji="0" sz="1800" b="0" i="0" u="none" strike="noStrike" cap="none" spc="0" normalizeH="0" baseline="0">
             <a:ln>
               <a:noFill/>
             </a:ln>
@@ -8067,7 +8068,7 @@
           <a:buFontTx/>
           <a:buNone/>
           <a:tabLst/>
-          <a:defRPr b="0" baseline="0" cap="none" i="0" spc="0" strike="noStrike" sz="1800" u="none" kumimoji="0" normalizeH="0">
+          <a:defRPr kumimoji="0" sz="1800" b="0" i="0" u="none" strike="noStrike" cap="none" spc="0" normalizeH="0" baseline="0">
             <a:ln>
               <a:noFill/>
             </a:ln>
@@ -8093,7 +8094,7 @@
           <a:buFontTx/>
           <a:buNone/>
           <a:tabLst/>
-          <a:defRPr b="0" baseline="0" cap="none" i="0" spc="0" strike="noStrike" sz="1800" u="none" kumimoji="0" normalizeH="0">
+          <a:defRPr kumimoji="0" sz="1800" b="0" i="0" u="none" strike="noStrike" cap="none" spc="0" normalizeH="0" baseline="0">
             <a:ln>
               <a:noFill/>
             </a:ln>
@@ -8119,7 +8120,7 @@
           <a:buFontTx/>
           <a:buNone/>
           <a:tabLst/>
-          <a:defRPr b="0" baseline="0" cap="none" i="0" spc="0" strike="noStrike" sz="1800" u="none" kumimoji="0" normalizeH="0">
+          <a:defRPr kumimoji="0" sz="1800" b="0" i="0" u="none" strike="noStrike" cap="none" spc="0" normalizeH="0" baseline="0">
             <a:ln>
               <a:noFill/>
             </a:ln>
@@ -8132,9 +8133,15 @@
         </a:lvl9pPr>
       </a:lstStyle>
       <a:style>
-        <a:lnRef idx="0"/>
-        <a:fillRef idx="0"/>
-        <a:effectRef idx="0"/>
+        <a:lnRef idx="0">
+          <a:scrgbClr r="0" g="0" b="0"/>
+        </a:lnRef>
+        <a:fillRef idx="0">
+          <a:scrgbClr r="0" g="0" b="0"/>
+        </a:fillRef>
+        <a:effectRef idx="0">
+          <a:scrgbClr r="0" g="0" b="0"/>
+        </a:effectRef>
         <a:fontRef idx="none"/>
       </a:style>
     </a:spDef>
@@ -8151,7 +8158,7 @@
         <a:effectLst/>
         <a:sp3d/>
       </a:spPr>
-      <a:bodyPr rot="0" spcFirstLastPara="1" vertOverflow="overflow" horzOverflow="overflow" vert="horz" wrap="square" lIns="91439" tIns="45719" rIns="91439" bIns="45719" numCol="1" spcCol="38100" rtlCol="0" anchor="t" upright="0">
+      <a:bodyPr rot="0" spcFirstLastPara="1" vertOverflow="overflow" horzOverflow="overflow" vert="horz" wrap="square" lIns="91439" tIns="45719" rIns="91439" bIns="45719" numCol="1" spcCol="38100" rtlCol="0" anchor="t">
         <a:noAutofit/>
       </a:bodyPr>
       <a:lstStyle>
@@ -8170,7 +8177,7 @@
           <a:buFontTx/>
           <a:buNone/>
           <a:tabLst/>
-          <a:defRPr b="0" baseline="0" cap="none" i="0" spc="0" strike="noStrike" sz="1800" u="none" kumimoji="0" normalizeH="0">
+          <a:defRPr kumimoji="0" sz="1800" b="0" i="0" u="none" strike="noStrike" cap="none" spc="0" normalizeH="0" baseline="0">
             <a:ln>
               <a:noFill/>
             </a:ln>
@@ -8196,7 +8203,7 @@
           <a:buFontTx/>
           <a:buNone/>
           <a:tabLst/>
-          <a:defRPr b="0" baseline="0" cap="none" i="0" spc="0" strike="noStrike" sz="1800" u="none" kumimoji="0" normalizeH="0">
+          <a:defRPr kumimoji="0" sz="1800" b="0" i="0" u="none" strike="noStrike" cap="none" spc="0" normalizeH="0" baseline="0">
             <a:ln>
               <a:noFill/>
             </a:ln>
@@ -8222,7 +8229,7 @@
           <a:buFontTx/>
           <a:buNone/>
           <a:tabLst/>
-          <a:defRPr b="0" baseline="0" cap="none" i="0" spc="0" strike="noStrike" sz="1800" u="none" kumimoji="0" normalizeH="0">
+          <a:defRPr kumimoji="0" sz="1800" b="0" i="0" u="none" strike="noStrike" cap="none" spc="0" normalizeH="0" baseline="0">
             <a:ln>
               <a:noFill/>
             </a:ln>
@@ -8248,7 +8255,7 @@
           <a:buFontTx/>
           <a:buNone/>
           <a:tabLst/>
-          <a:defRPr b="0" baseline="0" cap="none" i="0" spc="0" strike="noStrike" sz="1800" u="none" kumimoji="0" normalizeH="0">
+          <a:defRPr kumimoji="0" sz="1800" b="0" i="0" u="none" strike="noStrike" cap="none" spc="0" normalizeH="0" baseline="0">
             <a:ln>
               <a:noFill/>
             </a:ln>
@@ -8274,7 +8281,7 @@
           <a:buFontTx/>
           <a:buNone/>
           <a:tabLst/>
-          <a:defRPr b="0" baseline="0" cap="none" i="0" spc="0" strike="noStrike" sz="1800" u="none" kumimoji="0" normalizeH="0">
+          <a:defRPr kumimoji="0" sz="1800" b="0" i="0" u="none" strike="noStrike" cap="none" spc="0" normalizeH="0" baseline="0">
             <a:ln>
               <a:noFill/>
             </a:ln>
@@ -8300,7 +8307,7 @@
           <a:buFontTx/>
           <a:buNone/>
           <a:tabLst/>
-          <a:defRPr b="0" baseline="0" cap="none" i="0" spc="0" strike="noStrike" sz="1800" u="none" kumimoji="0" normalizeH="0">
+          <a:defRPr kumimoji="0" sz="1800" b="0" i="0" u="none" strike="noStrike" cap="none" spc="0" normalizeH="0" baseline="0">
             <a:ln>
               <a:noFill/>
             </a:ln>
@@ -8326,7 +8333,7 @@
           <a:buFontTx/>
           <a:buNone/>
           <a:tabLst/>
-          <a:defRPr b="0" baseline="0" cap="none" i="0" spc="0" strike="noStrike" sz="1800" u="none" kumimoji="0" normalizeH="0">
+          <a:defRPr kumimoji="0" sz="1800" b="0" i="0" u="none" strike="noStrike" cap="none" spc="0" normalizeH="0" baseline="0">
             <a:ln>
               <a:noFill/>
             </a:ln>
@@ -8352,7 +8359,7 @@
           <a:buFontTx/>
           <a:buNone/>
           <a:tabLst/>
-          <a:defRPr b="0" baseline="0" cap="none" i="0" spc="0" strike="noStrike" sz="1800" u="none" kumimoji="0" normalizeH="0">
+          <a:defRPr kumimoji="0" sz="1800" b="0" i="0" u="none" strike="noStrike" cap="none" spc="0" normalizeH="0" baseline="0">
             <a:ln>
               <a:noFill/>
             </a:ln>
@@ -8378,7 +8385,7 @@
           <a:buFontTx/>
           <a:buNone/>
           <a:tabLst/>
-          <a:defRPr b="0" baseline="0" cap="none" i="0" spc="0" strike="noStrike" sz="1800" u="none" kumimoji="0" normalizeH="0">
+          <a:defRPr kumimoji="0" sz="1800" b="0" i="0" u="none" strike="noStrike" cap="none" spc="0" normalizeH="0" baseline="0">
             <a:ln>
               <a:noFill/>
             </a:ln>
@@ -8404,7 +8411,7 @@
           <a:buFontTx/>
           <a:buNone/>
           <a:tabLst/>
-          <a:defRPr b="0" baseline="0" cap="none" i="0" spc="0" strike="noStrike" sz="1800" u="none" kumimoji="0" normalizeH="0">
+          <a:defRPr kumimoji="0" sz="1800" b="0" i="0" u="none" strike="noStrike" cap="none" spc="0" normalizeH="0" baseline="0">
             <a:ln>
               <a:noFill/>
             </a:ln>
@@ -8417,9 +8424,15 @@
         </a:lvl9pPr>
       </a:lstStyle>
       <a:style>
-        <a:lnRef idx="0"/>
-        <a:fillRef idx="0"/>
-        <a:effectRef idx="0"/>
+        <a:lnRef idx="0">
+          <a:scrgbClr r="0" g="0" b="0"/>
+        </a:lnRef>
+        <a:fillRef idx="0">
+          <a:scrgbClr r="0" g="0" b="0"/>
+        </a:fillRef>
+        <a:effectRef idx="0">
+          <a:scrgbClr r="0" g="0" b="0"/>
+        </a:effectRef>
         <a:fontRef idx="none"/>
       </a:style>
     </a:lnDef>
@@ -8433,7 +8446,7 @@
         <a:effectLst/>
         <a:sp3d/>
       </a:spPr>
-      <a:bodyPr rot="0" spcFirstLastPara="1" vertOverflow="overflow" horzOverflow="overflow" vert="horz" wrap="square" lIns="50800" tIns="50800" rIns="50800" bIns="50800" numCol="1" spcCol="38100" rtlCol="0" anchor="ctr" upright="0">
+      <a:bodyPr rot="0" spcFirstLastPara="1" vertOverflow="overflow" horzOverflow="overflow" vert="horz" wrap="square" lIns="50800" tIns="50800" rIns="50800" bIns="50800" numCol="1" spcCol="38100" rtlCol="0" anchor="ctr">
         <a:spAutoFit/>
       </a:bodyPr>
       <a:lstStyle>
@@ -8452,7 +8465,7 @@
           <a:buFontTx/>
           <a:buNone/>
           <a:tabLst/>
-          <a:defRPr b="0" baseline="0" cap="none" i="0" spc="0" strike="noStrike" sz="3600" u="none" kumimoji="0" normalizeH="0">
+          <a:defRPr kumimoji="0" sz="3600" b="0" i="0" u="none" strike="noStrike" cap="none" spc="0" normalizeH="0" baseline="0">
             <a:ln>
               <a:noFill/>
             </a:ln>
@@ -8482,7 +8495,7 @@
           <a:buFontTx/>
           <a:buNone/>
           <a:tabLst/>
-          <a:defRPr b="0" baseline="0" cap="none" i="0" spc="0" strike="noStrike" sz="1800" u="none" kumimoji="0" normalizeH="0">
+          <a:defRPr kumimoji="0" sz="1800" b="0" i="0" u="none" strike="noStrike" cap="none" spc="0" normalizeH="0" baseline="0">
             <a:ln>
               <a:noFill/>
             </a:ln>
@@ -8508,7 +8521,7 @@
           <a:buFontTx/>
           <a:buNone/>
           <a:tabLst/>
-          <a:defRPr b="0" baseline="0" cap="none" i="0" spc="0" strike="noStrike" sz="1800" u="none" kumimoji="0" normalizeH="0">
+          <a:defRPr kumimoji="0" sz="1800" b="0" i="0" u="none" strike="noStrike" cap="none" spc="0" normalizeH="0" baseline="0">
             <a:ln>
               <a:noFill/>
             </a:ln>
@@ -8534,7 +8547,7 @@
           <a:buFontTx/>
           <a:buNone/>
           <a:tabLst/>
-          <a:defRPr b="0" baseline="0" cap="none" i="0" spc="0" strike="noStrike" sz="1800" u="none" kumimoji="0" normalizeH="0">
+          <a:defRPr kumimoji="0" sz="1800" b="0" i="0" u="none" strike="noStrike" cap="none" spc="0" normalizeH="0" baseline="0">
             <a:ln>
               <a:noFill/>
             </a:ln>
@@ -8560,7 +8573,7 @@
           <a:buFontTx/>
           <a:buNone/>
           <a:tabLst/>
-          <a:defRPr b="0" baseline="0" cap="none" i="0" spc="0" strike="noStrike" sz="1800" u="none" kumimoji="0" normalizeH="0">
+          <a:defRPr kumimoji="0" sz="1800" b="0" i="0" u="none" strike="noStrike" cap="none" spc="0" normalizeH="0" baseline="0">
             <a:ln>
               <a:noFill/>
             </a:ln>
@@ -8586,7 +8599,7 @@
           <a:buFontTx/>
           <a:buNone/>
           <a:tabLst/>
-          <a:defRPr b="0" baseline="0" cap="none" i="0" spc="0" strike="noStrike" sz="1800" u="none" kumimoji="0" normalizeH="0">
+          <a:defRPr kumimoji="0" sz="1800" b="0" i="0" u="none" strike="noStrike" cap="none" spc="0" normalizeH="0" baseline="0">
             <a:ln>
               <a:noFill/>
             </a:ln>
@@ -8612,7 +8625,7 @@
           <a:buFontTx/>
           <a:buNone/>
           <a:tabLst/>
-          <a:defRPr b="0" baseline="0" cap="none" i="0" spc="0" strike="noStrike" sz="1800" u="none" kumimoji="0" normalizeH="0">
+          <a:defRPr kumimoji="0" sz="1800" b="0" i="0" u="none" strike="noStrike" cap="none" spc="0" normalizeH="0" baseline="0">
             <a:ln>
               <a:noFill/>
             </a:ln>
@@ -8638,7 +8651,7 @@
           <a:buFontTx/>
           <a:buNone/>
           <a:tabLst/>
-          <a:defRPr b="0" baseline="0" cap="none" i="0" spc="0" strike="noStrike" sz="1800" u="none" kumimoji="0" normalizeH="0">
+          <a:defRPr kumimoji="0" sz="1800" b="0" i="0" u="none" strike="noStrike" cap="none" spc="0" normalizeH="0" baseline="0">
             <a:ln>
               <a:noFill/>
             </a:ln>
@@ -8664,7 +8677,7 @@
           <a:buFontTx/>
           <a:buNone/>
           <a:tabLst/>
-          <a:defRPr b="0" baseline="0" cap="none" i="0" spc="0" strike="noStrike" sz="1800" u="none" kumimoji="0" normalizeH="0">
+          <a:defRPr kumimoji="0" sz="1800" b="0" i="0" u="none" strike="noStrike" cap="none" spc="0" normalizeH="0" baseline="0">
             <a:ln>
               <a:noFill/>
             </a:ln>
@@ -8690,7 +8703,7 @@
           <a:buFontTx/>
           <a:buNone/>
           <a:tabLst/>
-          <a:defRPr b="0" baseline="0" cap="none" i="0" spc="0" strike="noStrike" sz="1800" u="none" kumimoji="0" normalizeH="0">
+          <a:defRPr kumimoji="0" sz="1800" b="0" i="0" u="none" strike="noStrike" cap="none" spc="0" normalizeH="0" baseline="0">
             <a:ln>
               <a:noFill/>
             </a:ln>
@@ -8703,12 +8716,19 @@
         </a:lvl9pPr>
       </a:lstStyle>
       <a:style>
-        <a:lnRef idx="0"/>
-        <a:fillRef idx="0"/>
-        <a:effectRef idx="0"/>
+        <a:lnRef idx="0">
+          <a:scrgbClr r="0" g="0" b="0"/>
+        </a:lnRef>
+        <a:fillRef idx="0">
+          <a:scrgbClr r="0" g="0" b="0"/>
+        </a:fillRef>
+        <a:effectRef idx="0">
+          <a:scrgbClr r="0" g="0" b="0"/>
+        </a:effectRef>
         <a:fontRef idx="none"/>
       </a:style>
     </a:txDef>
   </a:objectDefaults>
+  <a:extraClrSchemeLst/>
 </a:theme>
 </file>